--- a/documenten/Advies e-commerce platform opdracht.pptx
+++ b/documenten/Advies e-commerce platform opdracht.pptx
@@ -11,6 +11,8 @@
     <p:sldId id="259" r:id="rId8"/>
     <p:sldId id="260" r:id="rId9"/>
     <p:sldId id="261" r:id="rId10"/>
+    <p:sldId id="263" r:id="rId11"/>
+    <p:sldId id="264" r:id="rId12"/>
   </p:sldIdLst>
   <p:sldSz cx="12192000" cy="6858000"/>
   <p:notesSz cx="6858000" cy="9144000"/>
@@ -7115,7 +7117,7 @@
               <a:rPr lang="nl-NL" sz="6800" b="1" dirty="0" err="1">
                 <a:latin typeface="Sans serif"/>
               </a:rPr>
-              <a:t>ecwid</a:t>
+              <a:t>Ecwid</a:t>
             </a:r>
             <a:endParaRPr lang="nl-NL" sz="6800" b="1" dirty="0">
               <a:latin typeface="Sans serif"/>
@@ -9130,13 +9132,26 @@
           <a:p>
             <a:r>
               <a:rPr lang="nl-NL" dirty="0"/>
-              <a:t>Hoe zijn we te werk </a:t>
-            </a:r>
-            <a:r>
-              <a:rPr lang="nl-NL" dirty="0" err="1"/>
-              <a:t>gegeaan</a:t>
-            </a:r>
-            <a:endParaRPr lang="nl-NL" dirty="0"/>
+              <a:t>Hoe zijn we te werk gegaan</a:t>
+            </a:r>
+          </a:p>
+          <a:p>
+            <a:r>
+              <a:rPr lang="nl-NL" dirty="0"/>
+              <a:t>Kijken naar hoe ons gekozen platform werkt</a:t>
+            </a:r>
+          </a:p>
+          <a:p>
+            <a:r>
+              <a:rPr lang="nl-NL" dirty="0"/>
+              <a:t>Voordelen en nadelen opwegen van platform</a:t>
+            </a:r>
+          </a:p>
+          <a:p>
+            <a:r>
+              <a:rPr lang="nl-NL" dirty="0"/>
+              <a:t>Voldoet dit platform aan de eisen van de opdracht?</a:t>
+            </a:r>
           </a:p>
           <a:p>
             <a:endParaRPr lang="nl-NL" dirty="0"/>
@@ -9854,7 +9869,30 @@
             </a:r>
           </a:p>
           <a:p>
-            <a:endParaRPr lang="nl-NL" dirty="0"/>
+            <a:r>
+              <a:rPr lang="nl-NL" dirty="0" err="1"/>
+              <a:t>Ecwid</a:t>
+            </a:r>
+            <a:r>
+              <a:rPr lang="nl-NL" dirty="0"/>
+              <a:t> bied ontwerpen voor je </a:t>
+            </a:r>
+            <a:r>
+              <a:rPr lang="nl-NL" dirty="0" err="1"/>
+              <a:t>webiste</a:t>
+            </a:r>
+            <a:r>
+              <a:rPr lang="nl-NL" dirty="0"/>
+              <a:t> (</a:t>
+            </a:r>
+            <a:r>
+              <a:rPr lang="nl-NL" dirty="0" err="1"/>
+              <a:t>Responsive</a:t>
+            </a:r>
+            <a:r>
+              <a:rPr lang="nl-NL" dirty="0"/>
+              <a:t>)</a:t>
+            </a:r>
           </a:p>
           <a:p>
             <a:endParaRPr lang="nl-NL" dirty="0"/>
@@ -10357,12 +10395,359 @@
           <a:chExt cx="0" cy="0"/>
         </a:xfrm>
       </p:grpSpPr>
+      <p:sp>
+        <p:nvSpPr>
+          <p:cNvPr id="8" name="Rectangle 6">
+            <a:extLst>
+              <a:ext uri="{FF2B5EF4-FFF2-40B4-BE49-F238E27FC236}">
+                <a16:creationId xmlns:a16="http://schemas.microsoft.com/office/drawing/2014/main" id="{DA381740-063A-41A4-836D-85D14980EEF0}"/>
+              </a:ext>
+              <a:ext uri="{C183D7F6-B498-43B3-948B-1728B52AA6E4}">
+                <adec:decorative xmlns:adec="http://schemas.microsoft.com/office/drawing/2017/decorative" val="1"/>
+              </a:ext>
+            </a:extLst>
+          </p:cNvPr>
+          <p:cNvSpPr>
+            <a:spLocks noGrp="1" noRot="1" noChangeAspect="1" noMove="1" noResize="1" noEditPoints="1" noAdjustHandles="1" noChangeArrowheads="1" noChangeShapeType="1" noTextEdit="1"/>
+          </p:cNvSpPr>
+          <p:nvPr>
+            <p:extLst>
+              <p:ext uri="{386F3935-93C4-4BCD-93E2-E3B085C9AB24}">
+                <p16:designElem xmlns:p16="http://schemas.microsoft.com/office/powerpoint/2015/main" val="1"/>
+              </p:ext>
+            </p:extLst>
+          </p:nvPr>
+        </p:nvSpPr>
+        <p:spPr>
+          <a:xfrm>
+            <a:off x="838200" y="4736883"/>
+            <a:ext cx="4243589" cy="27432"/>
+          </a:xfrm>
+          <a:custGeom>
+            <a:avLst/>
+            <a:gdLst>
+              <a:gd name="connsiteX0" fmla="*/ 0 w 4243589"/>
+              <a:gd name="connsiteY0" fmla="*/ 0 h 27432"/>
+              <a:gd name="connsiteX1" fmla="*/ 563791 w 4243589"/>
+              <a:gd name="connsiteY1" fmla="*/ 0 h 27432"/>
+              <a:gd name="connsiteX2" fmla="*/ 1042710 w 4243589"/>
+              <a:gd name="connsiteY2" fmla="*/ 0 h 27432"/>
+              <a:gd name="connsiteX3" fmla="*/ 1564066 w 4243589"/>
+              <a:gd name="connsiteY3" fmla="*/ 0 h 27432"/>
+              <a:gd name="connsiteX4" fmla="*/ 2212729 w 4243589"/>
+              <a:gd name="connsiteY4" fmla="*/ 0 h 27432"/>
+              <a:gd name="connsiteX5" fmla="*/ 2776520 w 4243589"/>
+              <a:gd name="connsiteY5" fmla="*/ 0 h 27432"/>
+              <a:gd name="connsiteX6" fmla="*/ 3297875 w 4243589"/>
+              <a:gd name="connsiteY6" fmla="*/ 0 h 27432"/>
+              <a:gd name="connsiteX7" fmla="*/ 4243589 w 4243589"/>
+              <a:gd name="connsiteY7" fmla="*/ 0 h 27432"/>
+              <a:gd name="connsiteX8" fmla="*/ 4243589 w 4243589"/>
+              <a:gd name="connsiteY8" fmla="*/ 27432 h 27432"/>
+              <a:gd name="connsiteX9" fmla="*/ 3637362 w 4243589"/>
+              <a:gd name="connsiteY9" fmla="*/ 27432 h 27432"/>
+              <a:gd name="connsiteX10" fmla="*/ 3116007 w 4243589"/>
+              <a:gd name="connsiteY10" fmla="*/ 27432 h 27432"/>
+              <a:gd name="connsiteX11" fmla="*/ 2424908 w 4243589"/>
+              <a:gd name="connsiteY11" fmla="*/ 27432 h 27432"/>
+              <a:gd name="connsiteX12" fmla="*/ 1861117 w 4243589"/>
+              <a:gd name="connsiteY12" fmla="*/ 27432 h 27432"/>
+              <a:gd name="connsiteX13" fmla="*/ 1382198 w 4243589"/>
+              <a:gd name="connsiteY13" fmla="*/ 27432 h 27432"/>
+              <a:gd name="connsiteX14" fmla="*/ 733535 w 4243589"/>
+              <a:gd name="connsiteY14" fmla="*/ 27432 h 27432"/>
+              <a:gd name="connsiteX15" fmla="*/ 0 w 4243589"/>
+              <a:gd name="connsiteY15" fmla="*/ 27432 h 27432"/>
+              <a:gd name="connsiteX16" fmla="*/ 0 w 4243589"/>
+              <a:gd name="connsiteY16" fmla="*/ 0 h 27432"/>
+            </a:gdLst>
+            <a:ahLst/>
+            <a:cxnLst>
+              <a:cxn ang="0">
+                <a:pos x="connsiteX0" y="connsiteY0"/>
+              </a:cxn>
+              <a:cxn ang="0">
+                <a:pos x="connsiteX1" y="connsiteY1"/>
+              </a:cxn>
+              <a:cxn ang="0">
+                <a:pos x="connsiteX2" y="connsiteY2"/>
+              </a:cxn>
+              <a:cxn ang="0">
+                <a:pos x="connsiteX3" y="connsiteY3"/>
+              </a:cxn>
+              <a:cxn ang="0">
+                <a:pos x="connsiteX4" y="connsiteY4"/>
+              </a:cxn>
+              <a:cxn ang="0">
+                <a:pos x="connsiteX5" y="connsiteY5"/>
+              </a:cxn>
+              <a:cxn ang="0">
+                <a:pos x="connsiteX6" y="connsiteY6"/>
+              </a:cxn>
+              <a:cxn ang="0">
+                <a:pos x="connsiteX7" y="connsiteY7"/>
+              </a:cxn>
+              <a:cxn ang="0">
+                <a:pos x="connsiteX8" y="connsiteY8"/>
+              </a:cxn>
+              <a:cxn ang="0">
+                <a:pos x="connsiteX9" y="connsiteY9"/>
+              </a:cxn>
+              <a:cxn ang="0">
+                <a:pos x="connsiteX10" y="connsiteY10"/>
+              </a:cxn>
+              <a:cxn ang="0">
+                <a:pos x="connsiteX11" y="connsiteY11"/>
+              </a:cxn>
+              <a:cxn ang="0">
+                <a:pos x="connsiteX12" y="connsiteY12"/>
+              </a:cxn>
+              <a:cxn ang="0">
+                <a:pos x="connsiteX13" y="connsiteY13"/>
+              </a:cxn>
+              <a:cxn ang="0">
+                <a:pos x="connsiteX14" y="connsiteY14"/>
+              </a:cxn>
+              <a:cxn ang="0">
+                <a:pos x="connsiteX15" y="connsiteY15"/>
+              </a:cxn>
+              <a:cxn ang="0">
+                <a:pos x="connsiteX16" y="connsiteY16"/>
+              </a:cxn>
+            </a:cxnLst>
+            <a:rect l="l" t="t" r="r" b="b"/>
+            <a:pathLst>
+              <a:path w="4243589" h="27432" fill="none" extrusionOk="0">
+                <a:moveTo>
+                  <a:pt x="0" y="0"/>
+                </a:moveTo>
+                <a:cubicBezTo>
+                  <a:pt x="157351" y="-15653"/>
+                  <a:pt x="378877" y="-5828"/>
+                  <a:pt x="563791" y="0"/>
+                </a:cubicBezTo>
+                <a:cubicBezTo>
+                  <a:pt x="748705" y="5828"/>
+                  <a:pt x="905659" y="-5525"/>
+                  <a:pt x="1042710" y="0"/>
+                </a:cubicBezTo>
+                <a:cubicBezTo>
+                  <a:pt x="1179761" y="5525"/>
+                  <a:pt x="1356845" y="-21288"/>
+                  <a:pt x="1564066" y="0"/>
+                </a:cubicBezTo>
+                <a:cubicBezTo>
+                  <a:pt x="1771287" y="21288"/>
+                  <a:pt x="1912099" y="25135"/>
+                  <a:pt x="2212729" y="0"/>
+                </a:cubicBezTo>
+                <a:cubicBezTo>
+                  <a:pt x="2513359" y="-25135"/>
+                  <a:pt x="2514918" y="-27119"/>
+                  <a:pt x="2776520" y="0"/>
+                </a:cubicBezTo>
+                <a:cubicBezTo>
+                  <a:pt x="3038122" y="27119"/>
+                  <a:pt x="3178771" y="18116"/>
+                  <a:pt x="3297875" y="0"/>
+                </a:cubicBezTo>
+                <a:cubicBezTo>
+                  <a:pt x="3416980" y="-18116"/>
+                  <a:pt x="4012240" y="-40869"/>
+                  <a:pt x="4243589" y="0"/>
+                </a:cubicBezTo>
+                <a:cubicBezTo>
+                  <a:pt x="4242616" y="8304"/>
+                  <a:pt x="4243111" y="21512"/>
+                  <a:pt x="4243589" y="27432"/>
+                </a:cubicBezTo>
+                <a:cubicBezTo>
+                  <a:pt x="4112949" y="6289"/>
+                  <a:pt x="3928037" y="10975"/>
+                  <a:pt x="3637362" y="27432"/>
+                </a:cubicBezTo>
+                <a:cubicBezTo>
+                  <a:pt x="3346687" y="43889"/>
+                  <a:pt x="3254446" y="35813"/>
+                  <a:pt x="3116007" y="27432"/>
+                </a:cubicBezTo>
+                <a:cubicBezTo>
+                  <a:pt x="2977569" y="19051"/>
+                  <a:pt x="2620228" y="38017"/>
+                  <a:pt x="2424908" y="27432"/>
+                </a:cubicBezTo>
+                <a:cubicBezTo>
+                  <a:pt x="2229588" y="16847"/>
+                  <a:pt x="2088287" y="5290"/>
+                  <a:pt x="1861117" y="27432"/>
+                </a:cubicBezTo>
+                <a:cubicBezTo>
+                  <a:pt x="1633947" y="49574"/>
+                  <a:pt x="1502447" y="8273"/>
+                  <a:pt x="1382198" y="27432"/>
+                </a:cubicBezTo>
+                <a:cubicBezTo>
+                  <a:pt x="1261949" y="46591"/>
+                  <a:pt x="1045440" y="37497"/>
+                  <a:pt x="733535" y="27432"/>
+                </a:cubicBezTo>
+                <a:cubicBezTo>
+                  <a:pt x="421630" y="17367"/>
+                  <a:pt x="341257" y="-9215"/>
+                  <a:pt x="0" y="27432"/>
+                </a:cubicBezTo>
+                <a:cubicBezTo>
+                  <a:pt x="-1048" y="14992"/>
+                  <a:pt x="-1120" y="7447"/>
+                  <a:pt x="0" y="0"/>
+                </a:cubicBezTo>
+                <a:close/>
+              </a:path>
+              <a:path w="4243589" h="27432" stroke="0" extrusionOk="0">
+                <a:moveTo>
+                  <a:pt x="0" y="0"/>
+                </a:moveTo>
+                <a:cubicBezTo>
+                  <a:pt x="128164" y="17204"/>
+                  <a:pt x="312653" y="1129"/>
+                  <a:pt x="563791" y="0"/>
+                </a:cubicBezTo>
+                <a:cubicBezTo>
+                  <a:pt x="814929" y="-1129"/>
+                  <a:pt x="837271" y="8503"/>
+                  <a:pt x="1042710" y="0"/>
+                </a:cubicBezTo>
+                <a:cubicBezTo>
+                  <a:pt x="1248149" y="-8503"/>
+                  <a:pt x="1588432" y="-28862"/>
+                  <a:pt x="1733809" y="0"/>
+                </a:cubicBezTo>
+                <a:cubicBezTo>
+                  <a:pt x="1879186" y="28862"/>
+                  <a:pt x="2052815" y="5974"/>
+                  <a:pt x="2297600" y="0"/>
+                </a:cubicBezTo>
+                <a:cubicBezTo>
+                  <a:pt x="2542385" y="-5974"/>
+                  <a:pt x="2699960" y="-23550"/>
+                  <a:pt x="2861391" y="0"/>
+                </a:cubicBezTo>
+                <a:cubicBezTo>
+                  <a:pt x="3022822" y="23550"/>
+                  <a:pt x="3390411" y="25272"/>
+                  <a:pt x="3552490" y="0"/>
+                </a:cubicBezTo>
+                <a:cubicBezTo>
+                  <a:pt x="3714569" y="-25272"/>
+                  <a:pt x="3950585" y="-31327"/>
+                  <a:pt x="4243589" y="0"/>
+                </a:cubicBezTo>
+                <a:cubicBezTo>
+                  <a:pt x="4244074" y="9333"/>
+                  <a:pt x="4244867" y="19699"/>
+                  <a:pt x="4243589" y="27432"/>
+                </a:cubicBezTo>
+                <a:cubicBezTo>
+                  <a:pt x="4130424" y="7904"/>
+                  <a:pt x="3932803" y="51393"/>
+                  <a:pt x="3722234" y="27432"/>
+                </a:cubicBezTo>
+                <a:cubicBezTo>
+                  <a:pt x="3511665" y="3471"/>
+                  <a:pt x="3269903" y="55138"/>
+                  <a:pt x="3116007" y="27432"/>
+                </a:cubicBezTo>
+                <a:cubicBezTo>
+                  <a:pt x="2962111" y="-274"/>
+                  <a:pt x="2744280" y="32368"/>
+                  <a:pt x="2509780" y="27432"/>
+                </a:cubicBezTo>
+                <a:cubicBezTo>
+                  <a:pt x="2275280" y="22496"/>
+                  <a:pt x="2066059" y="52808"/>
+                  <a:pt x="1945989" y="27432"/>
+                </a:cubicBezTo>
+                <a:cubicBezTo>
+                  <a:pt x="1825919" y="2056"/>
+                  <a:pt x="1407329" y="21760"/>
+                  <a:pt x="1254890" y="27432"/>
+                </a:cubicBezTo>
+                <a:cubicBezTo>
+                  <a:pt x="1102451" y="33104"/>
+                  <a:pt x="837950" y="40817"/>
+                  <a:pt x="563791" y="27432"/>
+                </a:cubicBezTo>
+                <a:cubicBezTo>
+                  <a:pt x="289632" y="14047"/>
+                  <a:pt x="132768" y="16249"/>
+                  <a:pt x="0" y="27432"/>
+                </a:cubicBezTo>
+                <a:cubicBezTo>
+                  <a:pt x="211" y="18145"/>
+                  <a:pt x="120" y="6480"/>
+                  <a:pt x="0" y="0"/>
+                </a:cubicBezTo>
+                <a:close/>
+              </a:path>
+            </a:pathLst>
+          </a:custGeom>
+          <a:solidFill>
+            <a:schemeClr val="tx1"/>
+          </a:solidFill>
+          <a:ln w="38100" cap="rnd">
+            <a:solidFill>
+              <a:schemeClr val="tx1"/>
+            </a:solidFill>
+            <a:round/>
+            <a:extLst>
+              <a:ext uri="{C807C97D-BFC1-408E-A445-0C87EB9F89A2}">
+                <ask:lineSketchStyleProps xmlns:ask="http://schemas.microsoft.com/office/drawing/2018/sketchyshapes" sd="1219033472">
+                  <a:prstGeom prst="rect">
+                    <a:avLst/>
+                  </a:prstGeom>
+                  <ask:type>
+                    <ask:lineSketchFreehand/>
+                  </ask:type>
+                </ask:lineSketchStyleProps>
+              </a:ext>
+            </a:extLst>
+          </a:ln>
+        </p:spPr>
+        <p:style>
+          <a:lnRef idx="2">
+            <a:schemeClr val="accent1">
+              <a:shade val="50000"/>
+            </a:schemeClr>
+          </a:lnRef>
+          <a:fillRef idx="1">
+            <a:schemeClr val="accent1"/>
+          </a:fillRef>
+          <a:effectRef idx="0">
+            <a:schemeClr val="accent1"/>
+          </a:effectRef>
+          <a:fontRef idx="minor">
+            <a:schemeClr val="lt1"/>
+          </a:fontRef>
+        </p:style>
+        <p:txBody>
+          <a:bodyPr rtlCol="0" anchor="ctr"/>
+          <a:lstStyle/>
+          <a:p>
+            <a:pPr algn="ctr"/>
+            <a:endParaRPr lang="en-US">
+              <a:solidFill>
+                <a:schemeClr val="tx1"/>
+              </a:solidFill>
+            </a:endParaRPr>
+          </a:p>
+        </p:txBody>
+      </p:sp>
       <p:sp useBgFill="1">
         <p:nvSpPr>
-          <p:cNvPr id="9" name="Rectangle 8">
+          <p:cNvPr id="10" name="Rectangle 9">
             <a:extLst>
               <a:ext uri="{FF2B5EF4-FFF2-40B4-BE49-F238E27FC236}">
-                <a16:creationId xmlns:a16="http://schemas.microsoft.com/office/drawing/2014/main" id="{A9D2268A-D939-4E78-91B6-6C7E46406788}"/>
+                <a16:creationId xmlns:a16="http://schemas.microsoft.com/office/drawing/2014/main" id="{657F69E0-C4B0-4BEC-A689-4F8D877F05D4}"/>
               </a:ext>
               <a:ext uri="{C183D7F6-B498-43B3-948B-1728B52AA6E4}">
                 <adec:decorative xmlns:adec="http://schemas.microsoft.com/office/drawing/2017/decorative" val="1"/>
@@ -10419,10 +10804,10 @@
       </p:sp>
       <p:pic>
         <p:nvPicPr>
-          <p:cNvPr id="4" name="Picture 3" descr="Een abstract genetisch concept">
+          <p:cNvPr id="3" name="Picture 3" descr="Een abstract genetisch concept">
             <a:extLst>
               <a:ext uri="{FF2B5EF4-FFF2-40B4-BE49-F238E27FC236}">
-                <a16:creationId xmlns:a16="http://schemas.microsoft.com/office/drawing/2014/main" id="{AAA8B50F-A2B1-3E3D-00AF-0EFF24BD4CE9}"/>
+                <a16:creationId xmlns:a16="http://schemas.microsoft.com/office/drawing/2014/main" id="{FC97FBAF-B4A5-D4CD-C397-1BF1C4680A74}"/>
               </a:ext>
             </a:extLst>
           </p:cNvPr>
@@ -10433,15 +10818,15 @@
         </p:nvPicPr>
         <p:blipFill rotWithShape="1">
           <a:blip r:embed="rId2">
-            <a:alphaModFix amt="40000"/>
+            <a:alphaModFix/>
           </a:blip>
-          <a:srcRect t="24459" b="19291"/>
+          <a:srcRect t="25607" r="-1" b="18129"/>
           <a:stretch/>
         </p:blipFill>
         <p:spPr>
           <a:xfrm>
             <a:off x="20" y="10"/>
-            <a:ext cx="12191979" cy="6857990"/>
+            <a:ext cx="12188930" cy="6857990"/>
           </a:xfrm>
           <a:prstGeom prst="rect">
             <a:avLst/>
@@ -10450,114 +10835,10 @@
       </p:pic>
       <p:sp>
         <p:nvSpPr>
-          <p:cNvPr id="2" name="Titel 1">
+          <p:cNvPr id="12" name="Rectangle 11">
             <a:extLst>
               <a:ext uri="{FF2B5EF4-FFF2-40B4-BE49-F238E27FC236}">
-                <a16:creationId xmlns:a16="http://schemas.microsoft.com/office/drawing/2014/main" id="{E5A36CAA-F018-841A-28AD-2084CAA0E6EB}"/>
-              </a:ext>
-            </a:extLst>
-          </p:cNvPr>
-          <p:cNvSpPr>
-            <a:spLocks noGrp="1"/>
-          </p:cNvSpPr>
-          <p:nvPr>
-            <p:ph type="title"/>
-          </p:nvPr>
-        </p:nvSpPr>
-        <p:spPr>
-          <a:xfrm>
-            <a:off x="640080" y="853673"/>
-            <a:ext cx="4023360" cy="5004794"/>
-          </a:xfrm>
-        </p:spPr>
-        <p:txBody>
-          <a:bodyPr>
-            <a:normAutofit/>
-          </a:bodyPr>
-          <a:lstStyle/>
-          <a:p>
-            <a:r>
-              <a:rPr lang="nl-NL" sz="7200" dirty="0"/>
-              <a:t>MVP</a:t>
-            </a:r>
-          </a:p>
-        </p:txBody>
-      </p:sp>
-      <p:sp>
-        <p:nvSpPr>
-          <p:cNvPr id="3" name="Tijdelijke aanduiding voor inhoud 2">
-            <a:extLst>
-              <a:ext uri="{FF2B5EF4-FFF2-40B4-BE49-F238E27FC236}">
-                <a16:creationId xmlns:a16="http://schemas.microsoft.com/office/drawing/2014/main" id="{0C8AA00C-9ED8-9884-F70C-B8DFD85B381C}"/>
-              </a:ext>
-            </a:extLst>
-          </p:cNvPr>
-          <p:cNvSpPr>
-            <a:spLocks noGrp="1"/>
-          </p:cNvSpPr>
-          <p:nvPr>
-            <p:ph idx="1"/>
-          </p:nvPr>
-        </p:nvSpPr>
-        <p:spPr>
-          <a:xfrm>
-            <a:off x="5599083" y="853673"/>
-            <a:ext cx="5715000" cy="5004794"/>
-          </a:xfrm>
-        </p:spPr>
-        <p:txBody>
-          <a:bodyPr anchor="ctr">
-            <a:normAutofit/>
-          </a:bodyPr>
-          <a:lstStyle/>
-          <a:p>
-            <a:r>
-              <a:rPr lang="nl-NL" b="1" i="0" u="none" strike="noStrike" dirty="0" err="1">
-                <a:solidFill>
-                  <a:srgbClr val="1B409D"/>
-                </a:solidFill>
-                <a:effectLst/>
-                <a:latin typeface="Lato" panose="020B0604020202020204" pitchFamily="34" charset="0"/>
-                <a:hlinkClick r:id="rId3"/>
-              </a:rPr>
-              <a:t>streetthreads.company.site</a:t>
-            </a:r>
-            <a:r>
-              <a:rPr lang="nl-NL" b="1" i="0" u="none" strike="noStrike" dirty="0">
-                <a:solidFill>
-                  <a:srgbClr val="1B409D"/>
-                </a:solidFill>
-                <a:effectLst/>
-                <a:latin typeface="Lato" panose="020B0604020202020204" pitchFamily="34" charset="0"/>
-                <a:hlinkClick r:id="rId3"/>
-              </a:rPr>
-              <a:t>‍</a:t>
-            </a:r>
-            <a:endParaRPr lang="nl-NL" b="1" i="0" u="none" strike="noStrike" dirty="0">
-              <a:solidFill>
-                <a:srgbClr val="1B409D"/>
-              </a:solidFill>
-              <a:effectLst/>
-              <a:latin typeface="Lato" panose="020B0604020202020204" pitchFamily="34" charset="0"/>
-            </a:endParaRPr>
-          </a:p>
-          <a:p>
-            <a:pPr marL="0" indent="0">
-              <a:buNone/>
-            </a:pPr>
-            <a:endParaRPr lang="nl-NL" dirty="0"/>
-          </a:p>
-          <a:p>
-            <a:endParaRPr lang="nl-NL" dirty="0"/>
-          </a:p>
-        </p:txBody>
-      </p:sp>
-      <p:sp>
-        <p:nvSpPr>
-          <p:cNvPr id="11" name="sketchy content container">
-            <a:extLst>
-              <a:ext uri="{FF2B5EF4-FFF2-40B4-BE49-F238E27FC236}">
-                <a16:creationId xmlns:a16="http://schemas.microsoft.com/office/drawing/2014/main" id="{E0C43A58-225D-452D-8185-0D89D1EED861}"/>
+                <a16:creationId xmlns:a16="http://schemas.microsoft.com/office/drawing/2014/main" id="{8F51725E-A483-43B2-A6F2-C44F502FE033}"/>
               </a:ext>
               <a:ext uri="{C183D7F6-B498-43B3-948B-1728B52AA6E4}">
                 <adec:decorative xmlns:adec="http://schemas.microsoft.com/office/drawing/2017/decorative" val="1"/>
@@ -10577,86 +10858,191 @@
         </p:nvSpPr>
         <p:spPr>
           <a:xfrm>
-            <a:off x="5318921" y="493776"/>
-            <a:ext cx="6229604" cy="5722227"/>
+            <a:off x="0" y="937549"/>
+            <a:ext cx="12191999" cy="5058137"/>
+          </a:xfrm>
+          <a:prstGeom prst="rect">
+            <a:avLst/>
+          </a:prstGeom>
+          <a:gradFill flip="none" rotWithShape="1">
+            <a:gsLst>
+              <a:gs pos="50000">
+                <a:schemeClr val="tx1">
+                  <a:alpha val="30000"/>
+                </a:schemeClr>
+              </a:gs>
+              <a:gs pos="80000">
+                <a:schemeClr val="tx1">
+                  <a:alpha val="15000"/>
+                </a:schemeClr>
+              </a:gs>
+              <a:gs pos="0">
+                <a:schemeClr val="tx1">
+                  <a:alpha val="0"/>
+                </a:schemeClr>
+              </a:gs>
+              <a:gs pos="20000">
+                <a:schemeClr val="tx1">
+                  <a:alpha val="15000"/>
+                </a:schemeClr>
+              </a:gs>
+              <a:gs pos="100000">
+                <a:schemeClr val="tx1">
+                  <a:alpha val="0"/>
+                </a:schemeClr>
+              </a:gs>
+            </a:gsLst>
+            <a:lin ang="16200000" scaled="1"/>
+            <a:tileRect/>
+          </a:gradFill>
+          <a:ln>
+            <a:noFill/>
+          </a:ln>
+        </p:spPr>
+        <p:style>
+          <a:lnRef idx="2">
+            <a:schemeClr val="accent1">
+              <a:shade val="50000"/>
+            </a:schemeClr>
+          </a:lnRef>
+          <a:fillRef idx="1">
+            <a:schemeClr val="accent1"/>
+          </a:fillRef>
+          <a:effectRef idx="0">
+            <a:schemeClr val="accent1"/>
+          </a:effectRef>
+          <a:fontRef idx="minor">
+            <a:schemeClr val="lt1"/>
+          </a:fontRef>
+        </p:style>
+        <p:txBody>
+          <a:bodyPr rtlCol="0" anchor="ctr"/>
+          <a:lstStyle/>
+          <a:p>
+            <a:pPr algn="ctr"/>
+            <a:endParaRPr lang="en-US"/>
+          </a:p>
+        </p:txBody>
+      </p:sp>
+      <p:sp>
+        <p:nvSpPr>
+          <p:cNvPr id="2" name="Titel 1">
+            <a:extLst>
+              <a:ext uri="{FF2B5EF4-FFF2-40B4-BE49-F238E27FC236}">
+                <a16:creationId xmlns:a16="http://schemas.microsoft.com/office/drawing/2014/main" id="{BD6361ED-C93F-6002-FFE2-F2A1B782F9C0}"/>
+              </a:ext>
+            </a:extLst>
+          </p:cNvPr>
+          <p:cNvSpPr>
+            <a:spLocks noGrp="1"/>
+          </p:cNvSpPr>
+          <p:nvPr>
+            <p:ph type="title"/>
+          </p:nvPr>
+        </p:nvSpPr>
+        <p:spPr>
+          <a:xfrm>
+            <a:off x="1524000" y="1122363"/>
+            <a:ext cx="9144000" cy="3063240"/>
+          </a:xfrm>
+        </p:spPr>
+        <p:txBody>
+          <a:bodyPr vert="horz" lIns="91440" tIns="45720" rIns="91440" bIns="45720" rtlCol="0" anchor="b">
+            <a:normAutofit fontScale="90000"/>
+          </a:bodyPr>
+          <a:lstStyle/>
+          <a:p>
+            <a:r>
+              <a:rPr lang="en-US" sz="20000" dirty="0" err="1">
+                <a:solidFill>
+                  <a:schemeClr val="bg1"/>
+                </a:solidFill>
+              </a:rPr>
+              <a:t>Mvp</a:t>
+            </a:r>
+            <a:br>
+              <a:rPr lang="en-US" sz="10800" dirty="0">
+                <a:solidFill>
+                  <a:schemeClr val="bg1"/>
+                </a:solidFill>
+              </a:rPr>
+            </a:br>
+            <a:r>
+              <a:rPr lang="en-US" sz="2200" dirty="0">
+                <a:solidFill>
+                  <a:schemeClr val="bg1"/>
+                </a:solidFill>
+              </a:rPr>
+              <a:t>https://streetthreads.company.site</a:t>
+            </a:r>
+          </a:p>
+        </p:txBody>
+      </p:sp>
+      <p:sp>
+        <p:nvSpPr>
+          <p:cNvPr id="14" name="Rectangle 6">
+            <a:extLst>
+              <a:ext uri="{FF2B5EF4-FFF2-40B4-BE49-F238E27FC236}">
+                <a16:creationId xmlns:a16="http://schemas.microsoft.com/office/drawing/2014/main" id="{9F6380B4-6A1C-481E-8408-B4E6C75B9B81}"/>
+              </a:ext>
+              <a:ext uri="{C183D7F6-B498-43B3-948B-1728B52AA6E4}">
+                <adec:decorative xmlns:adec="http://schemas.microsoft.com/office/drawing/2017/decorative" val="1"/>
+              </a:ext>
+            </a:extLst>
+          </p:cNvPr>
+          <p:cNvSpPr>
+            <a:spLocks noGrp="1" noRot="1" noChangeAspect="1" noMove="1" noResize="1" noEditPoints="1" noAdjustHandles="1" noChangeArrowheads="1" noChangeShapeType="1" noTextEdit="1"/>
+          </p:cNvSpPr>
+          <p:nvPr>
+            <p:extLst>
+              <p:ext uri="{386F3935-93C4-4BCD-93E2-E3B085C9AB24}">
+                <p16:designElem xmlns:p16="http://schemas.microsoft.com/office/powerpoint/2015/main" val="1"/>
+              </p:ext>
+            </p:extLst>
+          </p:nvPr>
+        </p:nvSpPr>
+        <p:spPr>
+          <a:xfrm>
+            <a:off x="3974206" y="4368623"/>
+            <a:ext cx="4243589" cy="27432"/>
           </a:xfrm>
           <a:custGeom>
             <a:avLst/>
             <a:gdLst>
-              <a:gd name="connsiteX0" fmla="*/ 0 w 6229604"/>
-              <a:gd name="connsiteY0" fmla="*/ 0 h 5722227"/>
-              <a:gd name="connsiteX1" fmla="*/ 629882 w 6229604"/>
-              <a:gd name="connsiteY1" fmla="*/ 0 h 5722227"/>
-              <a:gd name="connsiteX2" fmla="*/ 1135172 w 6229604"/>
-              <a:gd name="connsiteY2" fmla="*/ 0 h 5722227"/>
-              <a:gd name="connsiteX3" fmla="*/ 1951943 w 6229604"/>
-              <a:gd name="connsiteY3" fmla="*/ 0 h 5722227"/>
-              <a:gd name="connsiteX4" fmla="*/ 2581825 w 6229604"/>
-              <a:gd name="connsiteY4" fmla="*/ 0 h 5722227"/>
-              <a:gd name="connsiteX5" fmla="*/ 3211707 w 6229604"/>
-              <a:gd name="connsiteY5" fmla="*/ 0 h 5722227"/>
-              <a:gd name="connsiteX6" fmla="*/ 4028477 w 6229604"/>
-              <a:gd name="connsiteY6" fmla="*/ 0 h 5722227"/>
-              <a:gd name="connsiteX7" fmla="*/ 4596063 w 6229604"/>
-              <a:gd name="connsiteY7" fmla="*/ 0 h 5722227"/>
-              <a:gd name="connsiteX8" fmla="*/ 5412834 w 6229604"/>
-              <a:gd name="connsiteY8" fmla="*/ 0 h 5722227"/>
-              <a:gd name="connsiteX9" fmla="*/ 6229604 w 6229604"/>
-              <a:gd name="connsiteY9" fmla="*/ 0 h 5722227"/>
-              <a:gd name="connsiteX10" fmla="*/ 6229604 w 6229604"/>
-              <a:gd name="connsiteY10" fmla="*/ 635803 h 5722227"/>
-              <a:gd name="connsiteX11" fmla="*/ 6229604 w 6229604"/>
-              <a:gd name="connsiteY11" fmla="*/ 1271606 h 5722227"/>
-              <a:gd name="connsiteX12" fmla="*/ 6229604 w 6229604"/>
-              <a:gd name="connsiteY12" fmla="*/ 1964631 h 5722227"/>
-              <a:gd name="connsiteX13" fmla="*/ 6229604 w 6229604"/>
-              <a:gd name="connsiteY13" fmla="*/ 2428767 h 5722227"/>
-              <a:gd name="connsiteX14" fmla="*/ 6229604 w 6229604"/>
-              <a:gd name="connsiteY14" fmla="*/ 3064570 h 5722227"/>
-              <a:gd name="connsiteX15" fmla="*/ 6229604 w 6229604"/>
-              <a:gd name="connsiteY15" fmla="*/ 3700373 h 5722227"/>
-              <a:gd name="connsiteX16" fmla="*/ 6229604 w 6229604"/>
-              <a:gd name="connsiteY16" fmla="*/ 4336176 h 5722227"/>
-              <a:gd name="connsiteX17" fmla="*/ 6229604 w 6229604"/>
-              <a:gd name="connsiteY17" fmla="*/ 5029202 h 5722227"/>
-              <a:gd name="connsiteX18" fmla="*/ 6229604 w 6229604"/>
-              <a:gd name="connsiteY18" fmla="*/ 5722227 h 5722227"/>
-              <a:gd name="connsiteX19" fmla="*/ 5475130 w 6229604"/>
-              <a:gd name="connsiteY19" fmla="*/ 5722227 h 5722227"/>
-              <a:gd name="connsiteX20" fmla="*/ 4907544 w 6229604"/>
-              <a:gd name="connsiteY20" fmla="*/ 5722227 h 5722227"/>
-              <a:gd name="connsiteX21" fmla="*/ 4090773 w 6229604"/>
-              <a:gd name="connsiteY21" fmla="*/ 5722227 h 5722227"/>
-              <a:gd name="connsiteX22" fmla="*/ 3398595 w 6229604"/>
-              <a:gd name="connsiteY22" fmla="*/ 5722227 h 5722227"/>
-              <a:gd name="connsiteX23" fmla="*/ 2831009 w 6229604"/>
-              <a:gd name="connsiteY23" fmla="*/ 5722227 h 5722227"/>
-              <a:gd name="connsiteX24" fmla="*/ 2138831 w 6229604"/>
-              <a:gd name="connsiteY24" fmla="*/ 5722227 h 5722227"/>
-              <a:gd name="connsiteX25" fmla="*/ 1633541 w 6229604"/>
-              <a:gd name="connsiteY25" fmla="*/ 5722227 h 5722227"/>
-              <a:gd name="connsiteX26" fmla="*/ 1128251 w 6229604"/>
-              <a:gd name="connsiteY26" fmla="*/ 5722227 h 5722227"/>
-              <a:gd name="connsiteX27" fmla="*/ 0 w 6229604"/>
-              <a:gd name="connsiteY27" fmla="*/ 5722227 h 5722227"/>
-              <a:gd name="connsiteX28" fmla="*/ 0 w 6229604"/>
-              <a:gd name="connsiteY28" fmla="*/ 5200869 h 5722227"/>
-              <a:gd name="connsiteX29" fmla="*/ 0 w 6229604"/>
-              <a:gd name="connsiteY29" fmla="*/ 4450621 h 5722227"/>
-              <a:gd name="connsiteX30" fmla="*/ 0 w 6229604"/>
-              <a:gd name="connsiteY30" fmla="*/ 3872040 h 5722227"/>
-              <a:gd name="connsiteX31" fmla="*/ 0 w 6229604"/>
-              <a:gd name="connsiteY31" fmla="*/ 3407904 h 5722227"/>
-              <a:gd name="connsiteX32" fmla="*/ 0 w 6229604"/>
-              <a:gd name="connsiteY32" fmla="*/ 2714879 h 5722227"/>
-              <a:gd name="connsiteX33" fmla="*/ 0 w 6229604"/>
-              <a:gd name="connsiteY33" fmla="*/ 2193520 h 5722227"/>
-              <a:gd name="connsiteX34" fmla="*/ 0 w 6229604"/>
-              <a:gd name="connsiteY34" fmla="*/ 1500495 h 5722227"/>
-              <a:gd name="connsiteX35" fmla="*/ 0 w 6229604"/>
-              <a:gd name="connsiteY35" fmla="*/ 750248 h 5722227"/>
-              <a:gd name="connsiteX36" fmla="*/ 0 w 6229604"/>
-              <a:gd name="connsiteY36" fmla="*/ 0 h 5722227"/>
+              <a:gd name="connsiteX0" fmla="*/ 0 w 4243589"/>
+              <a:gd name="connsiteY0" fmla="*/ 0 h 27432"/>
+              <a:gd name="connsiteX1" fmla="*/ 563791 w 4243589"/>
+              <a:gd name="connsiteY1" fmla="*/ 0 h 27432"/>
+              <a:gd name="connsiteX2" fmla="*/ 1042710 w 4243589"/>
+              <a:gd name="connsiteY2" fmla="*/ 0 h 27432"/>
+              <a:gd name="connsiteX3" fmla="*/ 1564066 w 4243589"/>
+              <a:gd name="connsiteY3" fmla="*/ 0 h 27432"/>
+              <a:gd name="connsiteX4" fmla="*/ 2212729 w 4243589"/>
+              <a:gd name="connsiteY4" fmla="*/ 0 h 27432"/>
+              <a:gd name="connsiteX5" fmla="*/ 2776520 w 4243589"/>
+              <a:gd name="connsiteY5" fmla="*/ 0 h 27432"/>
+              <a:gd name="connsiteX6" fmla="*/ 3297875 w 4243589"/>
+              <a:gd name="connsiteY6" fmla="*/ 0 h 27432"/>
+              <a:gd name="connsiteX7" fmla="*/ 4243589 w 4243589"/>
+              <a:gd name="connsiteY7" fmla="*/ 0 h 27432"/>
+              <a:gd name="connsiteX8" fmla="*/ 4243589 w 4243589"/>
+              <a:gd name="connsiteY8" fmla="*/ 27432 h 27432"/>
+              <a:gd name="connsiteX9" fmla="*/ 3637362 w 4243589"/>
+              <a:gd name="connsiteY9" fmla="*/ 27432 h 27432"/>
+              <a:gd name="connsiteX10" fmla="*/ 3116007 w 4243589"/>
+              <a:gd name="connsiteY10" fmla="*/ 27432 h 27432"/>
+              <a:gd name="connsiteX11" fmla="*/ 2424908 w 4243589"/>
+              <a:gd name="connsiteY11" fmla="*/ 27432 h 27432"/>
+              <a:gd name="connsiteX12" fmla="*/ 1861117 w 4243589"/>
+              <a:gd name="connsiteY12" fmla="*/ 27432 h 27432"/>
+              <a:gd name="connsiteX13" fmla="*/ 1382198 w 4243589"/>
+              <a:gd name="connsiteY13" fmla="*/ 27432 h 27432"/>
+              <a:gd name="connsiteX14" fmla="*/ 733535 w 4243589"/>
+              <a:gd name="connsiteY14" fmla="*/ 27432 h 27432"/>
+              <a:gd name="connsiteX15" fmla="*/ 0 w 4243589"/>
+              <a:gd name="connsiteY15" fmla="*/ 27432 h 27432"/>
+              <a:gd name="connsiteX16" fmla="*/ 0 w 4243589"/>
+              <a:gd name="connsiteY16" fmla="*/ 0 h 27432"/>
             </a:gdLst>
             <a:ahLst/>
             <a:cxnLst>
@@ -10711,261 +11097,189 @@
               <a:cxn ang="0">
                 <a:pos x="connsiteX16" y="connsiteY16"/>
               </a:cxn>
-              <a:cxn ang="0">
-                <a:pos x="connsiteX17" y="connsiteY17"/>
-              </a:cxn>
-              <a:cxn ang="0">
-                <a:pos x="connsiteX18" y="connsiteY18"/>
-              </a:cxn>
-              <a:cxn ang="0">
-                <a:pos x="connsiteX19" y="connsiteY19"/>
-              </a:cxn>
-              <a:cxn ang="0">
-                <a:pos x="connsiteX20" y="connsiteY20"/>
-              </a:cxn>
-              <a:cxn ang="0">
-                <a:pos x="connsiteX21" y="connsiteY21"/>
-              </a:cxn>
-              <a:cxn ang="0">
-                <a:pos x="connsiteX22" y="connsiteY22"/>
-              </a:cxn>
-              <a:cxn ang="0">
-                <a:pos x="connsiteX23" y="connsiteY23"/>
-              </a:cxn>
-              <a:cxn ang="0">
-                <a:pos x="connsiteX24" y="connsiteY24"/>
-              </a:cxn>
-              <a:cxn ang="0">
-                <a:pos x="connsiteX25" y="connsiteY25"/>
-              </a:cxn>
-              <a:cxn ang="0">
-                <a:pos x="connsiteX26" y="connsiteY26"/>
-              </a:cxn>
-              <a:cxn ang="0">
-                <a:pos x="connsiteX27" y="connsiteY27"/>
-              </a:cxn>
-              <a:cxn ang="0">
-                <a:pos x="connsiteX28" y="connsiteY28"/>
-              </a:cxn>
-              <a:cxn ang="0">
-                <a:pos x="connsiteX29" y="connsiteY29"/>
-              </a:cxn>
-              <a:cxn ang="0">
-                <a:pos x="connsiteX30" y="connsiteY30"/>
-              </a:cxn>
-              <a:cxn ang="0">
-                <a:pos x="connsiteX31" y="connsiteY31"/>
-              </a:cxn>
-              <a:cxn ang="0">
-                <a:pos x="connsiteX32" y="connsiteY32"/>
-              </a:cxn>
-              <a:cxn ang="0">
-                <a:pos x="connsiteX33" y="connsiteY33"/>
-              </a:cxn>
-              <a:cxn ang="0">
-                <a:pos x="connsiteX34" y="connsiteY34"/>
-              </a:cxn>
-              <a:cxn ang="0">
-                <a:pos x="connsiteX35" y="connsiteY35"/>
-              </a:cxn>
-              <a:cxn ang="0">
-                <a:pos x="connsiteX36" y="connsiteY36"/>
-              </a:cxn>
             </a:cxnLst>
             <a:rect l="l" t="t" r="r" b="b"/>
             <a:pathLst>
-              <a:path w="6229604" h="5722227" extrusionOk="0">
+              <a:path w="4243589" h="27432" fill="none" extrusionOk="0">
                 <a:moveTo>
                   <a:pt x="0" y="0"/>
                 </a:moveTo>
                 <a:cubicBezTo>
-                  <a:pt x="134765" y="733"/>
-                  <a:pt x="359555" y="-15387"/>
-                  <a:pt x="629882" y="0"/>
-                </a:cubicBezTo>
-                <a:cubicBezTo>
-                  <a:pt x="900209" y="15387"/>
-                  <a:pt x="965450" y="15937"/>
-                  <a:pt x="1135172" y="0"/>
-                </a:cubicBezTo>
-                <a:cubicBezTo>
-                  <a:pt x="1304894" y="-15937"/>
-                  <a:pt x="1787212" y="10921"/>
-                  <a:pt x="1951943" y="0"/>
-                </a:cubicBezTo>
-                <a:cubicBezTo>
-                  <a:pt x="2116674" y="-10921"/>
-                  <a:pt x="2378222" y="13313"/>
-                  <a:pt x="2581825" y="0"/>
-                </a:cubicBezTo>
-                <a:cubicBezTo>
-                  <a:pt x="2785428" y="-13313"/>
-                  <a:pt x="2915218" y="19972"/>
-                  <a:pt x="3211707" y="0"/>
-                </a:cubicBezTo>
-                <a:cubicBezTo>
-                  <a:pt x="3508196" y="-19972"/>
-                  <a:pt x="3832828" y="-34359"/>
-                  <a:pt x="4028477" y="0"/>
-                </a:cubicBezTo>
-                <a:cubicBezTo>
-                  <a:pt x="4224126" y="34359"/>
-                  <a:pt x="4361257" y="4467"/>
-                  <a:pt x="4596063" y="0"/>
-                </a:cubicBezTo>
-                <a:cubicBezTo>
-                  <a:pt x="4830869" y="-4467"/>
-                  <a:pt x="5091403" y="-7365"/>
-                  <a:pt x="5412834" y="0"/>
-                </a:cubicBezTo>
-                <a:cubicBezTo>
-                  <a:pt x="5734265" y="7365"/>
-                  <a:pt x="6034988" y="-26786"/>
-                  <a:pt x="6229604" y="0"/>
-                </a:cubicBezTo>
-                <a:cubicBezTo>
-                  <a:pt x="6208296" y="256153"/>
-                  <a:pt x="6219810" y="335049"/>
-                  <a:pt x="6229604" y="635803"/>
-                </a:cubicBezTo>
-                <a:cubicBezTo>
-                  <a:pt x="6239398" y="936557"/>
-                  <a:pt x="6230184" y="1092448"/>
-                  <a:pt x="6229604" y="1271606"/>
-                </a:cubicBezTo>
-                <a:cubicBezTo>
-                  <a:pt x="6229024" y="1450764"/>
-                  <a:pt x="6217841" y="1797531"/>
-                  <a:pt x="6229604" y="1964631"/>
-                </a:cubicBezTo>
-                <a:cubicBezTo>
-                  <a:pt x="6241367" y="2131731"/>
-                  <a:pt x="6220367" y="2235822"/>
-                  <a:pt x="6229604" y="2428767"/>
-                </a:cubicBezTo>
-                <a:cubicBezTo>
-                  <a:pt x="6238841" y="2621712"/>
-                  <a:pt x="6220929" y="2925917"/>
-                  <a:pt x="6229604" y="3064570"/>
-                </a:cubicBezTo>
-                <a:cubicBezTo>
-                  <a:pt x="6238279" y="3203223"/>
-                  <a:pt x="6256755" y="3501958"/>
-                  <a:pt x="6229604" y="3700373"/>
-                </a:cubicBezTo>
-                <a:cubicBezTo>
-                  <a:pt x="6202453" y="3898788"/>
-                  <a:pt x="6201714" y="4046823"/>
-                  <a:pt x="6229604" y="4336176"/>
-                </a:cubicBezTo>
-                <a:cubicBezTo>
-                  <a:pt x="6257494" y="4625529"/>
-                  <a:pt x="6258821" y="4774033"/>
-                  <a:pt x="6229604" y="5029202"/>
-                </a:cubicBezTo>
-                <a:cubicBezTo>
-                  <a:pt x="6200387" y="5284371"/>
-                  <a:pt x="6233334" y="5383875"/>
-                  <a:pt x="6229604" y="5722227"/>
-                </a:cubicBezTo>
-                <a:cubicBezTo>
-                  <a:pt x="6016393" y="5707881"/>
-                  <a:pt x="5684528" y="5751176"/>
-                  <a:pt x="5475130" y="5722227"/>
-                </a:cubicBezTo>
-                <a:cubicBezTo>
-                  <a:pt x="5265732" y="5693278"/>
-                  <a:pt x="5082862" y="5732690"/>
-                  <a:pt x="4907544" y="5722227"/>
-                </a:cubicBezTo>
-                <a:cubicBezTo>
-                  <a:pt x="4732226" y="5711764"/>
-                  <a:pt x="4474837" y="5716289"/>
-                  <a:pt x="4090773" y="5722227"/>
-                </a:cubicBezTo>
-                <a:cubicBezTo>
-                  <a:pt x="3706709" y="5728165"/>
-                  <a:pt x="3645902" y="5723973"/>
-                  <a:pt x="3398595" y="5722227"/>
-                </a:cubicBezTo>
-                <a:cubicBezTo>
-                  <a:pt x="3151288" y="5720481"/>
-                  <a:pt x="3001606" y="5732695"/>
-                  <a:pt x="2831009" y="5722227"/>
-                </a:cubicBezTo>
-                <a:cubicBezTo>
-                  <a:pt x="2660412" y="5711759"/>
-                  <a:pt x="2424161" y="5689878"/>
-                  <a:pt x="2138831" y="5722227"/>
-                </a:cubicBezTo>
-                <a:cubicBezTo>
-                  <a:pt x="1853501" y="5754576"/>
-                  <a:pt x="1788223" y="5720540"/>
-                  <a:pt x="1633541" y="5722227"/>
-                </a:cubicBezTo>
-                <a:cubicBezTo>
-                  <a:pt x="1478859" y="5723915"/>
-                  <a:pt x="1324151" y="5739059"/>
-                  <a:pt x="1128251" y="5722227"/>
-                </a:cubicBezTo>
-                <a:cubicBezTo>
-                  <a:pt x="932351" y="5705396"/>
-                  <a:pt x="522340" y="5691488"/>
-                  <a:pt x="0" y="5722227"/>
-                </a:cubicBezTo>
-                <a:cubicBezTo>
-                  <a:pt x="-8445" y="5596771"/>
-                  <a:pt x="-11215" y="5344833"/>
-                  <a:pt x="0" y="5200869"/>
-                </a:cubicBezTo>
-                <a:cubicBezTo>
-                  <a:pt x="11215" y="5056905"/>
-                  <a:pt x="20310" y="4693766"/>
-                  <a:pt x="0" y="4450621"/>
-                </a:cubicBezTo>
-                <a:cubicBezTo>
-                  <a:pt x="-20310" y="4207476"/>
-                  <a:pt x="817" y="4075053"/>
-                  <a:pt x="0" y="3872040"/>
-                </a:cubicBezTo>
-                <a:cubicBezTo>
-                  <a:pt x="-817" y="3669027"/>
-                  <a:pt x="-21729" y="3595882"/>
-                  <a:pt x="0" y="3407904"/>
-                </a:cubicBezTo>
-                <a:cubicBezTo>
-                  <a:pt x="21729" y="3219926"/>
-                  <a:pt x="-30605" y="3052469"/>
-                  <a:pt x="0" y="2714879"/>
-                </a:cubicBezTo>
-                <a:cubicBezTo>
-                  <a:pt x="30605" y="2377289"/>
-                  <a:pt x="-16081" y="2430808"/>
-                  <a:pt x="0" y="2193520"/>
-                </a:cubicBezTo>
-                <a:cubicBezTo>
-                  <a:pt x="16081" y="1956232"/>
-                  <a:pt x="18120" y="1817979"/>
-                  <a:pt x="0" y="1500495"/>
-                </a:cubicBezTo>
-                <a:cubicBezTo>
-                  <a:pt x="-18120" y="1183011"/>
-                  <a:pt x="23969" y="972269"/>
-                  <a:pt x="0" y="750248"/>
-                </a:cubicBezTo>
-                <a:cubicBezTo>
-                  <a:pt x="-23969" y="528227"/>
-                  <a:pt x="-3769" y="358360"/>
+                  <a:pt x="157351" y="-15653"/>
+                  <a:pt x="378877" y="-5828"/>
+                  <a:pt x="563791" y="0"/>
+                </a:cubicBezTo>
+                <a:cubicBezTo>
+                  <a:pt x="748705" y="5828"/>
+                  <a:pt x="905659" y="-5525"/>
+                  <a:pt x="1042710" y="0"/>
+                </a:cubicBezTo>
+                <a:cubicBezTo>
+                  <a:pt x="1179761" y="5525"/>
+                  <a:pt x="1356845" y="-21288"/>
+                  <a:pt x="1564066" y="0"/>
+                </a:cubicBezTo>
+                <a:cubicBezTo>
+                  <a:pt x="1771287" y="21288"/>
+                  <a:pt x="1912099" y="25135"/>
+                  <a:pt x="2212729" y="0"/>
+                </a:cubicBezTo>
+                <a:cubicBezTo>
+                  <a:pt x="2513359" y="-25135"/>
+                  <a:pt x="2514918" y="-27119"/>
+                  <a:pt x="2776520" y="0"/>
+                </a:cubicBezTo>
+                <a:cubicBezTo>
+                  <a:pt x="3038122" y="27119"/>
+                  <a:pt x="3178771" y="18116"/>
+                  <a:pt x="3297875" y="0"/>
+                </a:cubicBezTo>
+                <a:cubicBezTo>
+                  <a:pt x="3416980" y="-18116"/>
+                  <a:pt x="4012240" y="-40869"/>
+                  <a:pt x="4243589" y="0"/>
+                </a:cubicBezTo>
+                <a:cubicBezTo>
+                  <a:pt x="4242616" y="8304"/>
+                  <a:pt x="4243111" y="21512"/>
+                  <a:pt x="4243589" y="27432"/>
+                </a:cubicBezTo>
+                <a:cubicBezTo>
+                  <a:pt x="4112949" y="6289"/>
+                  <a:pt x="3928037" y="10975"/>
+                  <a:pt x="3637362" y="27432"/>
+                </a:cubicBezTo>
+                <a:cubicBezTo>
+                  <a:pt x="3346687" y="43889"/>
+                  <a:pt x="3254446" y="35813"/>
+                  <a:pt x="3116007" y="27432"/>
+                </a:cubicBezTo>
+                <a:cubicBezTo>
+                  <a:pt x="2977569" y="19051"/>
+                  <a:pt x="2620228" y="38017"/>
+                  <a:pt x="2424908" y="27432"/>
+                </a:cubicBezTo>
+                <a:cubicBezTo>
+                  <a:pt x="2229588" y="16847"/>
+                  <a:pt x="2088287" y="5290"/>
+                  <a:pt x="1861117" y="27432"/>
+                </a:cubicBezTo>
+                <a:cubicBezTo>
+                  <a:pt x="1633947" y="49574"/>
+                  <a:pt x="1502447" y="8273"/>
+                  <a:pt x="1382198" y="27432"/>
+                </a:cubicBezTo>
+                <a:cubicBezTo>
+                  <a:pt x="1261949" y="46591"/>
+                  <a:pt x="1045440" y="37497"/>
+                  <a:pt x="733535" y="27432"/>
+                </a:cubicBezTo>
+                <a:cubicBezTo>
+                  <a:pt x="421630" y="17367"/>
+                  <a:pt x="341257" y="-9215"/>
+                  <a:pt x="0" y="27432"/>
+                </a:cubicBezTo>
+                <a:cubicBezTo>
+                  <a:pt x="-1048" y="14992"/>
+                  <a:pt x="-1120" y="7447"/>
+                  <a:pt x="0" y="0"/>
+                </a:cubicBezTo>
+                <a:close/>
+              </a:path>
+              <a:path w="4243589" h="27432" stroke="0" extrusionOk="0">
+                <a:moveTo>
+                  <a:pt x="0" y="0"/>
+                </a:moveTo>
+                <a:cubicBezTo>
+                  <a:pt x="128164" y="17204"/>
+                  <a:pt x="312653" y="1129"/>
+                  <a:pt x="563791" y="0"/>
+                </a:cubicBezTo>
+                <a:cubicBezTo>
+                  <a:pt x="814929" y="-1129"/>
+                  <a:pt x="837271" y="8503"/>
+                  <a:pt x="1042710" y="0"/>
+                </a:cubicBezTo>
+                <a:cubicBezTo>
+                  <a:pt x="1248149" y="-8503"/>
+                  <a:pt x="1588432" y="-28862"/>
+                  <a:pt x="1733809" y="0"/>
+                </a:cubicBezTo>
+                <a:cubicBezTo>
+                  <a:pt x="1879186" y="28862"/>
+                  <a:pt x="2052815" y="5974"/>
+                  <a:pt x="2297600" y="0"/>
+                </a:cubicBezTo>
+                <a:cubicBezTo>
+                  <a:pt x="2542385" y="-5974"/>
+                  <a:pt x="2699960" y="-23550"/>
+                  <a:pt x="2861391" y="0"/>
+                </a:cubicBezTo>
+                <a:cubicBezTo>
+                  <a:pt x="3022822" y="23550"/>
+                  <a:pt x="3390411" y="25272"/>
+                  <a:pt x="3552490" y="0"/>
+                </a:cubicBezTo>
+                <a:cubicBezTo>
+                  <a:pt x="3714569" y="-25272"/>
+                  <a:pt x="3950585" y="-31327"/>
+                  <a:pt x="4243589" y="0"/>
+                </a:cubicBezTo>
+                <a:cubicBezTo>
+                  <a:pt x="4244074" y="9333"/>
+                  <a:pt x="4244867" y="19699"/>
+                  <a:pt x="4243589" y="27432"/>
+                </a:cubicBezTo>
+                <a:cubicBezTo>
+                  <a:pt x="4130424" y="7904"/>
+                  <a:pt x="3932803" y="51393"/>
+                  <a:pt x="3722234" y="27432"/>
+                </a:cubicBezTo>
+                <a:cubicBezTo>
+                  <a:pt x="3511665" y="3471"/>
+                  <a:pt x="3269903" y="55138"/>
+                  <a:pt x="3116007" y="27432"/>
+                </a:cubicBezTo>
+                <a:cubicBezTo>
+                  <a:pt x="2962111" y="-274"/>
+                  <a:pt x="2744280" y="32368"/>
+                  <a:pt x="2509780" y="27432"/>
+                </a:cubicBezTo>
+                <a:cubicBezTo>
+                  <a:pt x="2275280" y="22496"/>
+                  <a:pt x="2066059" y="52808"/>
+                  <a:pt x="1945989" y="27432"/>
+                </a:cubicBezTo>
+                <a:cubicBezTo>
+                  <a:pt x="1825919" y="2056"/>
+                  <a:pt x="1407329" y="21760"/>
+                  <a:pt x="1254890" y="27432"/>
+                </a:cubicBezTo>
+                <a:cubicBezTo>
+                  <a:pt x="1102451" y="33104"/>
+                  <a:pt x="837950" y="40817"/>
+                  <a:pt x="563791" y="27432"/>
+                </a:cubicBezTo>
+                <a:cubicBezTo>
+                  <a:pt x="289632" y="14047"/>
+                  <a:pt x="132768" y="16249"/>
+                  <a:pt x="0" y="27432"/>
+                </a:cubicBezTo>
+                <a:cubicBezTo>
+                  <a:pt x="211" y="18145"/>
+                  <a:pt x="120" y="6480"/>
                   <a:pt x="0" y="0"/>
                 </a:cubicBezTo>
                 <a:close/>
               </a:path>
             </a:pathLst>
           </a:custGeom>
-          <a:noFill/>
-          <a:ln w="25400">
+          <a:solidFill>
+            <a:schemeClr val="bg1"/>
+          </a:solidFill>
+          <a:ln w="38100" cap="rnd">
             <a:solidFill>
-              <a:schemeClr val="tx1"/>
+              <a:schemeClr val="bg1"/>
             </a:solidFill>
             <a:round/>
             <a:extLst>
@@ -11010,7 +11324,1734 @@
     </p:spTree>
     <p:extLst>
       <p:ext uri="{BB962C8B-B14F-4D97-AF65-F5344CB8AC3E}">
-        <p14:creationId xmlns:p14="http://schemas.microsoft.com/office/powerpoint/2010/main" val="3487364575"/>
+        <p14:creationId xmlns:p14="http://schemas.microsoft.com/office/powerpoint/2010/main" val="3925685658"/>
+      </p:ext>
+    </p:extLst>
+  </p:cSld>
+  <p:clrMapOvr>
+    <a:masterClrMapping/>
+  </p:clrMapOvr>
+</p:sld>
+</file>
+
+<file path=ppt/slides/slide7.xml><?xml version="1.0" encoding="utf-8"?>
+<p:sld xmlns:a="http://schemas.openxmlformats.org/drawingml/2006/main" xmlns:r="http://schemas.openxmlformats.org/officeDocument/2006/relationships" xmlns:p="http://schemas.openxmlformats.org/presentationml/2006/main">
+  <p:cSld>
+    <p:bg>
+      <p:bgPr>
+        <a:solidFill>
+          <a:schemeClr val="bg1"/>
+        </a:solidFill>
+        <a:effectLst/>
+      </p:bgPr>
+    </p:bg>
+    <p:spTree>
+      <p:nvGrpSpPr>
+        <p:cNvPr id="1" name=""/>
+        <p:cNvGrpSpPr/>
+        <p:nvPr/>
+      </p:nvGrpSpPr>
+      <p:grpSpPr>
+        <a:xfrm>
+          <a:off x="0" y="0"/>
+          <a:ext cx="0" cy="0"/>
+          <a:chOff x="0" y="0"/>
+          <a:chExt cx="0" cy="0"/>
+        </a:xfrm>
+      </p:grpSpPr>
+      <p:sp useBgFill="1">
+        <p:nvSpPr>
+          <p:cNvPr id="34" name="Rectangle 33">
+            <a:extLst>
+              <a:ext uri="{FF2B5EF4-FFF2-40B4-BE49-F238E27FC236}">
+                <a16:creationId xmlns:a16="http://schemas.microsoft.com/office/drawing/2014/main" id="{C29C59CE-9D5A-4E64-9F64-161998AB2DCE}"/>
+              </a:ext>
+              <a:ext uri="{C183D7F6-B498-43B3-948B-1728B52AA6E4}">
+                <adec:decorative xmlns:adec="http://schemas.microsoft.com/office/drawing/2017/decorative" val="1"/>
+              </a:ext>
+            </a:extLst>
+          </p:cNvPr>
+          <p:cNvSpPr>
+            <a:spLocks noGrp="1" noRot="1" noChangeAspect="1" noMove="1" noResize="1" noEditPoints="1" noAdjustHandles="1" noChangeArrowheads="1" noChangeShapeType="1" noTextEdit="1"/>
+          </p:cNvSpPr>
+          <p:nvPr>
+            <p:extLst>
+              <p:ext uri="{386F3935-93C4-4BCD-93E2-E3B085C9AB24}">
+                <p16:designElem xmlns:p16="http://schemas.microsoft.com/office/powerpoint/2015/main" val="1"/>
+              </p:ext>
+            </p:extLst>
+          </p:nvPr>
+        </p:nvSpPr>
+        <p:spPr>
+          <a:xfrm>
+            <a:off x="0" y="0"/>
+            <a:ext cx="12188952" cy="6858000"/>
+          </a:xfrm>
+          <a:prstGeom prst="rect">
+            <a:avLst/>
+          </a:prstGeom>
+          <a:ln>
+            <a:noFill/>
+          </a:ln>
+        </p:spPr>
+        <p:style>
+          <a:lnRef idx="2">
+            <a:schemeClr val="accent1">
+              <a:shade val="50000"/>
+            </a:schemeClr>
+          </a:lnRef>
+          <a:fillRef idx="1">
+            <a:schemeClr val="accent1"/>
+          </a:fillRef>
+          <a:effectRef idx="0">
+            <a:schemeClr val="accent1"/>
+          </a:effectRef>
+          <a:fontRef idx="minor">
+            <a:schemeClr val="lt1"/>
+          </a:fontRef>
+        </p:style>
+        <p:txBody>
+          <a:bodyPr rtlCol="0" anchor="ctr"/>
+          <a:lstStyle/>
+          <a:p>
+            <a:pPr algn="ctr"/>
+            <a:endParaRPr lang="en-US"/>
+          </a:p>
+        </p:txBody>
+      </p:sp>
+      <p:sp>
+        <p:nvSpPr>
+          <p:cNvPr id="2" name="Titel 1">
+            <a:extLst>
+              <a:ext uri="{FF2B5EF4-FFF2-40B4-BE49-F238E27FC236}">
+                <a16:creationId xmlns:a16="http://schemas.microsoft.com/office/drawing/2014/main" id="{E5A36CAA-F018-841A-28AD-2084CAA0E6EB}"/>
+              </a:ext>
+            </a:extLst>
+          </p:cNvPr>
+          <p:cNvSpPr>
+            <a:spLocks noGrp="1"/>
+          </p:cNvSpPr>
+          <p:nvPr>
+            <p:ph type="title"/>
+          </p:nvPr>
+        </p:nvSpPr>
+        <p:spPr>
+          <a:xfrm>
+            <a:off x="6501809" y="365125"/>
+            <a:ext cx="5220586" cy="2068086"/>
+          </a:xfrm>
+        </p:spPr>
+        <p:txBody>
+          <a:bodyPr anchor="b">
+            <a:normAutofit/>
+          </a:bodyPr>
+          <a:lstStyle/>
+          <a:p>
+            <a:pPr>
+              <a:lnSpc>
+                <a:spcPct val="90000"/>
+              </a:lnSpc>
+            </a:pPr>
+            <a:r>
+              <a:rPr lang="nl-NL" sz="4600"/>
+              <a:t>Kostenplaatje</a:t>
+            </a:r>
+            <a:br>
+              <a:rPr lang="nl-NL" sz="4600"/>
+            </a:br>
+            <a:r>
+              <a:rPr lang="nl-NL" sz="4600"/>
+              <a:t>       +</a:t>
+            </a:r>
+            <a:br>
+              <a:rPr lang="nl-NL" sz="4600"/>
+            </a:br>
+            <a:r>
+              <a:rPr lang="nl-NL" sz="4600"/>
+              <a:t>advies ecwid plan</a:t>
+            </a:r>
+          </a:p>
+        </p:txBody>
+      </p:sp>
+      <p:pic>
+        <p:nvPicPr>
+          <p:cNvPr id="4" name="Picture 3" descr="Een abstract genetisch concept">
+            <a:extLst>
+              <a:ext uri="{FF2B5EF4-FFF2-40B4-BE49-F238E27FC236}">
+                <a16:creationId xmlns:a16="http://schemas.microsoft.com/office/drawing/2014/main" id="{AAA8B50F-A2B1-3E3D-00AF-0EFF24BD4CE9}"/>
+              </a:ext>
+            </a:extLst>
+          </p:cNvPr>
+          <p:cNvPicPr>
+            <a:picLocks noChangeAspect="1"/>
+          </p:cNvPicPr>
+          <p:nvPr/>
+        </p:nvPicPr>
+        <p:blipFill rotWithShape="1">
+          <a:blip r:embed="rId2"/>
+          <a:srcRect t="6142" r="3" b="6145"/>
+          <a:stretch/>
+        </p:blipFill>
+        <p:spPr>
+          <a:xfrm>
+            <a:off x="2" y="10"/>
+            <a:ext cx="2873113" cy="2520143"/>
+          </a:xfrm>
+          <a:custGeom>
+            <a:avLst/>
+            <a:gdLst/>
+            <a:ahLst/>
+            <a:cxnLst/>
+            <a:rect l="l" t="t" r="r" b="b"/>
+            <a:pathLst>
+              <a:path w="2873113" h="2520153">
+                <a:moveTo>
+                  <a:pt x="0" y="0"/>
+                </a:moveTo>
+                <a:lnTo>
+                  <a:pt x="2863050" y="0"/>
+                </a:lnTo>
+                <a:lnTo>
+                  <a:pt x="2860357" y="23417"/>
+                </a:lnTo>
+                <a:cubicBezTo>
+                  <a:pt x="2854714" y="58297"/>
+                  <a:pt x="2848787" y="93209"/>
+                  <a:pt x="2846577" y="128562"/>
+                </a:cubicBezTo>
+                <a:cubicBezTo>
+                  <a:pt x="2835325" y="313204"/>
+                  <a:pt x="2844701" y="497594"/>
+                  <a:pt x="2857292" y="681606"/>
+                </a:cubicBezTo>
+                <a:cubicBezTo>
+                  <a:pt x="2874974" y="930009"/>
+                  <a:pt x="2873501" y="1179283"/>
+                  <a:pt x="2852872" y="1427485"/>
+                </a:cubicBezTo>
+                <a:cubicBezTo>
+                  <a:pt x="2831655" y="1647555"/>
+                  <a:pt x="2835660" y="1869138"/>
+                  <a:pt x="2864794" y="2088415"/>
+                </a:cubicBezTo>
+                <a:cubicBezTo>
+                  <a:pt x="2882609" y="2212685"/>
+                  <a:pt x="2866535" y="2338091"/>
+                  <a:pt x="2864794" y="2462992"/>
+                </a:cubicBezTo>
+                <a:lnTo>
+                  <a:pt x="2863832" y="2503401"/>
+                </a:lnTo>
+                <a:lnTo>
+                  <a:pt x="2759379" y="2506812"/>
+                </a:lnTo>
+                <a:cubicBezTo>
+                  <a:pt x="2718815" y="2505399"/>
+                  <a:pt x="2678327" y="2501250"/>
+                  <a:pt x="2638141" y="2494371"/>
+                </a:cubicBezTo>
+                <a:cubicBezTo>
+                  <a:pt x="2542898" y="2477013"/>
+                  <a:pt x="2447655" y="2484775"/>
+                  <a:pt x="2352412" y="2491125"/>
+                </a:cubicBezTo>
+                <a:cubicBezTo>
+                  <a:pt x="2090938" y="2508483"/>
+                  <a:pt x="1829464" y="2529652"/>
+                  <a:pt x="1567101" y="2515539"/>
+                </a:cubicBezTo>
+                <a:cubicBezTo>
+                  <a:pt x="1511098" y="2512576"/>
+                  <a:pt x="1456492" y="2499593"/>
+                  <a:pt x="1400871" y="2494229"/>
+                </a:cubicBezTo>
+                <a:cubicBezTo>
+                  <a:pt x="1239211" y="2478564"/>
+                  <a:pt x="1078187" y="2496912"/>
+                  <a:pt x="916909" y="2504391"/>
+                </a:cubicBezTo>
+                <a:cubicBezTo>
+                  <a:pt x="738423" y="2515144"/>
+                  <a:pt x="559493" y="2512971"/>
+                  <a:pt x="381262" y="2497899"/>
+                </a:cubicBezTo>
+                <a:cubicBezTo>
+                  <a:pt x="284495" y="2488444"/>
+                  <a:pt x="187601" y="2485233"/>
+                  <a:pt x="90675" y="2486397"/>
+                </a:cubicBezTo>
+                <a:lnTo>
+                  <a:pt x="0" y="2490996"/>
+                </a:lnTo>
+                <a:close/>
+              </a:path>
+            </a:pathLst>
+          </a:custGeom>
+        </p:spPr>
+      </p:pic>
+      <p:pic>
+        <p:nvPicPr>
+          <p:cNvPr id="7" name="Picture 3" descr="Een abstract genetisch concept">
+            <a:extLst>
+              <a:ext uri="{FF2B5EF4-FFF2-40B4-BE49-F238E27FC236}">
+                <a16:creationId xmlns:a16="http://schemas.microsoft.com/office/drawing/2014/main" id="{D330529F-DB44-008D-0993-19E1CF4E1198}"/>
+              </a:ext>
+            </a:extLst>
+          </p:cNvPr>
+          <p:cNvPicPr>
+            <a:picLocks noChangeAspect="1"/>
+          </p:cNvPicPr>
+          <p:nvPr/>
+        </p:nvPicPr>
+        <p:blipFill rotWithShape="1">
+          <a:blip r:embed="rId2"/>
+          <a:srcRect t="8193" r="1" b="3025"/>
+          <a:stretch/>
+        </p:blipFill>
+        <p:spPr>
+          <a:xfrm>
+            <a:off x="3060436" y="10"/>
+            <a:ext cx="2843573" cy="2524624"/>
+          </a:xfrm>
+          <a:custGeom>
+            <a:avLst/>
+            <a:gdLst/>
+            <a:ahLst/>
+            <a:cxnLst/>
+            <a:rect l="l" t="t" r="r" b="b"/>
+            <a:pathLst>
+              <a:path w="2843573" h="2524634">
+                <a:moveTo>
+                  <a:pt x="26682" y="0"/>
+                </a:moveTo>
+                <a:lnTo>
+                  <a:pt x="2822452" y="0"/>
+                </a:lnTo>
+                <a:lnTo>
+                  <a:pt x="2820993" y="10824"/>
+                </a:lnTo>
+                <a:cubicBezTo>
+                  <a:pt x="2808235" y="122326"/>
+                  <a:pt x="2818697" y="233190"/>
+                  <a:pt x="2829285" y="343799"/>
+                </a:cubicBezTo>
+                <a:cubicBezTo>
+                  <a:pt x="2840997" y="479092"/>
+                  <a:pt x="2837348" y="615270"/>
+                  <a:pt x="2818441" y="749749"/>
+                </a:cubicBezTo>
+                <a:cubicBezTo>
+                  <a:pt x="2807788" y="840800"/>
+                  <a:pt x="2808044" y="932796"/>
+                  <a:pt x="2819207" y="1023783"/>
+                </a:cubicBezTo>
+                <a:cubicBezTo>
+                  <a:pt x="2837578" y="1193205"/>
+                  <a:pt x="2863349" y="1363775"/>
+                  <a:pt x="2819207" y="1534090"/>
+                </a:cubicBezTo>
+                <a:cubicBezTo>
+                  <a:pt x="2800453" y="1606554"/>
+                  <a:pt x="2806449" y="1682589"/>
+                  <a:pt x="2816911" y="1756456"/>
+                </a:cubicBezTo>
+                <a:cubicBezTo>
+                  <a:pt x="2833853" y="1883025"/>
+                  <a:pt x="2834796" y="2011227"/>
+                  <a:pt x="2819717" y="2138038"/>
+                </a:cubicBezTo>
+                <a:cubicBezTo>
+                  <a:pt x="2811335" y="2205118"/>
+                  <a:pt x="2811679" y="2273002"/>
+                  <a:pt x="2820738" y="2339992"/>
+                </a:cubicBezTo>
+                <a:cubicBezTo>
+                  <a:pt x="2827117" y="2381582"/>
+                  <a:pt x="2826415" y="2423364"/>
+                  <a:pt x="2825315" y="2465177"/>
+                </a:cubicBezTo>
+                <a:lnTo>
+                  <a:pt x="2825058" y="2479654"/>
+                </a:lnTo>
+                <a:lnTo>
+                  <a:pt x="2679762" y="2483128"/>
+                </a:lnTo>
+                <a:cubicBezTo>
+                  <a:pt x="2618897" y="2485860"/>
+                  <a:pt x="2558084" y="2490067"/>
+                  <a:pt x="2497351" y="2496347"/>
+                </a:cubicBezTo>
+                <a:cubicBezTo>
+                  <a:pt x="2332771" y="2513422"/>
+                  <a:pt x="2168953" y="2506649"/>
+                  <a:pt x="2004501" y="2503544"/>
+                </a:cubicBezTo>
+                <a:cubicBezTo>
+                  <a:pt x="1819728" y="2500017"/>
+                  <a:pt x="1634831" y="2501710"/>
+                  <a:pt x="1450058" y="2501710"/>
+                </a:cubicBezTo>
+                <a:cubicBezTo>
+                  <a:pt x="1369673" y="2501992"/>
+                  <a:pt x="1289796" y="2497193"/>
+                  <a:pt x="1209792" y="2489009"/>
+                </a:cubicBezTo>
+                <a:cubicBezTo>
+                  <a:pt x="1093723" y="2477295"/>
+                  <a:pt x="978288" y="2491407"/>
+                  <a:pt x="863997" y="2510177"/>
+                </a:cubicBezTo>
+                <a:cubicBezTo>
+                  <a:pt x="784361" y="2521298"/>
+                  <a:pt x="704102" y="2526010"/>
+                  <a:pt x="623857" y="2524289"/>
+                </a:cubicBezTo>
+                <a:cubicBezTo>
+                  <a:pt x="427783" y="2524430"/>
+                  <a:pt x="232091" y="2514693"/>
+                  <a:pt x="36524" y="2497052"/>
+                </a:cubicBezTo>
+                <a:lnTo>
+                  <a:pt x="13350" y="2496674"/>
+                </a:lnTo>
+                <a:lnTo>
+                  <a:pt x="17533" y="2292198"/>
+                </a:lnTo>
+                <a:cubicBezTo>
+                  <a:pt x="19808" y="2209062"/>
+                  <a:pt x="21290" y="2125926"/>
+                  <a:pt x="17874" y="2042789"/>
+                </a:cubicBezTo>
+                <a:cubicBezTo>
+                  <a:pt x="8899" y="1823109"/>
+                  <a:pt x="-1415" y="1603430"/>
+                  <a:pt x="13052" y="1383876"/>
+                </a:cubicBezTo>
+                <a:cubicBezTo>
+                  <a:pt x="22963" y="1233390"/>
+                  <a:pt x="35957" y="1082147"/>
+                  <a:pt x="31938" y="930905"/>
+                </a:cubicBezTo>
+                <a:cubicBezTo>
+                  <a:pt x="27652" y="775629"/>
+                  <a:pt x="13587" y="620983"/>
+                  <a:pt x="3274" y="466086"/>
+                </a:cubicBezTo>
+                <a:cubicBezTo>
+                  <a:pt x="-4187" y="352451"/>
+                  <a:pt x="1117" y="238378"/>
+                  <a:pt x="19079" y="125790"/>
+                </a:cubicBezTo>
+                <a:cubicBezTo>
+                  <a:pt x="25442" y="85647"/>
+                  <a:pt x="27250" y="45378"/>
+                  <a:pt x="26899" y="5094"/>
+                </a:cubicBezTo>
+                <a:close/>
+              </a:path>
+            </a:pathLst>
+          </a:custGeom>
+        </p:spPr>
+      </p:pic>
+      <p:sp>
+        <p:nvSpPr>
+          <p:cNvPr id="36" name="Rectangle 6">
+            <a:extLst>
+              <a:ext uri="{FF2B5EF4-FFF2-40B4-BE49-F238E27FC236}">
+                <a16:creationId xmlns:a16="http://schemas.microsoft.com/office/drawing/2014/main" id="{929F6B8E-6D40-4EF2-A291-E05EF59F4D99}"/>
+              </a:ext>
+              <a:ext uri="{C183D7F6-B498-43B3-948B-1728B52AA6E4}">
+                <adec:decorative xmlns:adec="http://schemas.microsoft.com/office/drawing/2017/decorative" val="1"/>
+              </a:ext>
+            </a:extLst>
+          </p:cNvPr>
+          <p:cNvSpPr>
+            <a:spLocks noGrp="1" noRot="1" noChangeAspect="1" noMove="1" noResize="1" noEditPoints="1" noAdjustHandles="1" noChangeArrowheads="1" noChangeShapeType="1" noTextEdit="1"/>
+          </p:cNvSpPr>
+          <p:nvPr>
+            <p:extLst>
+              <p:ext uri="{386F3935-93C4-4BCD-93E2-E3B085C9AB24}">
+                <p16:designElem xmlns:p16="http://schemas.microsoft.com/office/powerpoint/2015/main" val="1"/>
+              </p:ext>
+            </p:extLst>
+          </p:nvPr>
+        </p:nvSpPr>
+        <p:spPr>
+          <a:xfrm>
+            <a:off x="6501809" y="2607283"/>
+            <a:ext cx="4243589" cy="27432"/>
+          </a:xfrm>
+          <a:custGeom>
+            <a:avLst/>
+            <a:gdLst>
+              <a:gd name="connsiteX0" fmla="*/ 0 w 4243589"/>
+              <a:gd name="connsiteY0" fmla="*/ 0 h 27432"/>
+              <a:gd name="connsiteX1" fmla="*/ 563791 w 4243589"/>
+              <a:gd name="connsiteY1" fmla="*/ 0 h 27432"/>
+              <a:gd name="connsiteX2" fmla="*/ 1042710 w 4243589"/>
+              <a:gd name="connsiteY2" fmla="*/ 0 h 27432"/>
+              <a:gd name="connsiteX3" fmla="*/ 1564066 w 4243589"/>
+              <a:gd name="connsiteY3" fmla="*/ 0 h 27432"/>
+              <a:gd name="connsiteX4" fmla="*/ 2212729 w 4243589"/>
+              <a:gd name="connsiteY4" fmla="*/ 0 h 27432"/>
+              <a:gd name="connsiteX5" fmla="*/ 2776520 w 4243589"/>
+              <a:gd name="connsiteY5" fmla="*/ 0 h 27432"/>
+              <a:gd name="connsiteX6" fmla="*/ 3297875 w 4243589"/>
+              <a:gd name="connsiteY6" fmla="*/ 0 h 27432"/>
+              <a:gd name="connsiteX7" fmla="*/ 4243589 w 4243589"/>
+              <a:gd name="connsiteY7" fmla="*/ 0 h 27432"/>
+              <a:gd name="connsiteX8" fmla="*/ 4243589 w 4243589"/>
+              <a:gd name="connsiteY8" fmla="*/ 27432 h 27432"/>
+              <a:gd name="connsiteX9" fmla="*/ 3637362 w 4243589"/>
+              <a:gd name="connsiteY9" fmla="*/ 27432 h 27432"/>
+              <a:gd name="connsiteX10" fmla="*/ 3116007 w 4243589"/>
+              <a:gd name="connsiteY10" fmla="*/ 27432 h 27432"/>
+              <a:gd name="connsiteX11" fmla="*/ 2424908 w 4243589"/>
+              <a:gd name="connsiteY11" fmla="*/ 27432 h 27432"/>
+              <a:gd name="connsiteX12" fmla="*/ 1861117 w 4243589"/>
+              <a:gd name="connsiteY12" fmla="*/ 27432 h 27432"/>
+              <a:gd name="connsiteX13" fmla="*/ 1382198 w 4243589"/>
+              <a:gd name="connsiteY13" fmla="*/ 27432 h 27432"/>
+              <a:gd name="connsiteX14" fmla="*/ 733535 w 4243589"/>
+              <a:gd name="connsiteY14" fmla="*/ 27432 h 27432"/>
+              <a:gd name="connsiteX15" fmla="*/ 0 w 4243589"/>
+              <a:gd name="connsiteY15" fmla="*/ 27432 h 27432"/>
+              <a:gd name="connsiteX16" fmla="*/ 0 w 4243589"/>
+              <a:gd name="connsiteY16" fmla="*/ 0 h 27432"/>
+            </a:gdLst>
+            <a:ahLst/>
+            <a:cxnLst>
+              <a:cxn ang="0">
+                <a:pos x="connsiteX0" y="connsiteY0"/>
+              </a:cxn>
+              <a:cxn ang="0">
+                <a:pos x="connsiteX1" y="connsiteY1"/>
+              </a:cxn>
+              <a:cxn ang="0">
+                <a:pos x="connsiteX2" y="connsiteY2"/>
+              </a:cxn>
+              <a:cxn ang="0">
+                <a:pos x="connsiteX3" y="connsiteY3"/>
+              </a:cxn>
+              <a:cxn ang="0">
+                <a:pos x="connsiteX4" y="connsiteY4"/>
+              </a:cxn>
+              <a:cxn ang="0">
+                <a:pos x="connsiteX5" y="connsiteY5"/>
+              </a:cxn>
+              <a:cxn ang="0">
+                <a:pos x="connsiteX6" y="connsiteY6"/>
+              </a:cxn>
+              <a:cxn ang="0">
+                <a:pos x="connsiteX7" y="connsiteY7"/>
+              </a:cxn>
+              <a:cxn ang="0">
+                <a:pos x="connsiteX8" y="connsiteY8"/>
+              </a:cxn>
+              <a:cxn ang="0">
+                <a:pos x="connsiteX9" y="connsiteY9"/>
+              </a:cxn>
+              <a:cxn ang="0">
+                <a:pos x="connsiteX10" y="connsiteY10"/>
+              </a:cxn>
+              <a:cxn ang="0">
+                <a:pos x="connsiteX11" y="connsiteY11"/>
+              </a:cxn>
+              <a:cxn ang="0">
+                <a:pos x="connsiteX12" y="connsiteY12"/>
+              </a:cxn>
+              <a:cxn ang="0">
+                <a:pos x="connsiteX13" y="connsiteY13"/>
+              </a:cxn>
+              <a:cxn ang="0">
+                <a:pos x="connsiteX14" y="connsiteY14"/>
+              </a:cxn>
+              <a:cxn ang="0">
+                <a:pos x="connsiteX15" y="connsiteY15"/>
+              </a:cxn>
+              <a:cxn ang="0">
+                <a:pos x="connsiteX16" y="connsiteY16"/>
+              </a:cxn>
+            </a:cxnLst>
+            <a:rect l="l" t="t" r="r" b="b"/>
+            <a:pathLst>
+              <a:path w="4243589" h="27432" fill="none" extrusionOk="0">
+                <a:moveTo>
+                  <a:pt x="0" y="0"/>
+                </a:moveTo>
+                <a:cubicBezTo>
+                  <a:pt x="157351" y="-15653"/>
+                  <a:pt x="378877" y="-5828"/>
+                  <a:pt x="563791" y="0"/>
+                </a:cubicBezTo>
+                <a:cubicBezTo>
+                  <a:pt x="748705" y="5828"/>
+                  <a:pt x="905659" y="-5525"/>
+                  <a:pt x="1042710" y="0"/>
+                </a:cubicBezTo>
+                <a:cubicBezTo>
+                  <a:pt x="1179761" y="5525"/>
+                  <a:pt x="1356845" y="-21288"/>
+                  <a:pt x="1564066" y="0"/>
+                </a:cubicBezTo>
+                <a:cubicBezTo>
+                  <a:pt x="1771287" y="21288"/>
+                  <a:pt x="1912099" y="25135"/>
+                  <a:pt x="2212729" y="0"/>
+                </a:cubicBezTo>
+                <a:cubicBezTo>
+                  <a:pt x="2513359" y="-25135"/>
+                  <a:pt x="2514918" y="-27119"/>
+                  <a:pt x="2776520" y="0"/>
+                </a:cubicBezTo>
+                <a:cubicBezTo>
+                  <a:pt x="3038122" y="27119"/>
+                  <a:pt x="3178771" y="18116"/>
+                  <a:pt x="3297875" y="0"/>
+                </a:cubicBezTo>
+                <a:cubicBezTo>
+                  <a:pt x="3416980" y="-18116"/>
+                  <a:pt x="4012240" y="-40869"/>
+                  <a:pt x="4243589" y="0"/>
+                </a:cubicBezTo>
+                <a:cubicBezTo>
+                  <a:pt x="4242616" y="8304"/>
+                  <a:pt x="4243111" y="21512"/>
+                  <a:pt x="4243589" y="27432"/>
+                </a:cubicBezTo>
+                <a:cubicBezTo>
+                  <a:pt x="4112949" y="6289"/>
+                  <a:pt x="3928037" y="10975"/>
+                  <a:pt x="3637362" y="27432"/>
+                </a:cubicBezTo>
+                <a:cubicBezTo>
+                  <a:pt x="3346687" y="43889"/>
+                  <a:pt x="3254446" y="35813"/>
+                  <a:pt x="3116007" y="27432"/>
+                </a:cubicBezTo>
+                <a:cubicBezTo>
+                  <a:pt x="2977569" y="19051"/>
+                  <a:pt x="2620228" y="38017"/>
+                  <a:pt x="2424908" y="27432"/>
+                </a:cubicBezTo>
+                <a:cubicBezTo>
+                  <a:pt x="2229588" y="16847"/>
+                  <a:pt x="2088287" y="5290"/>
+                  <a:pt x="1861117" y="27432"/>
+                </a:cubicBezTo>
+                <a:cubicBezTo>
+                  <a:pt x="1633947" y="49574"/>
+                  <a:pt x="1502447" y="8273"/>
+                  <a:pt x="1382198" y="27432"/>
+                </a:cubicBezTo>
+                <a:cubicBezTo>
+                  <a:pt x="1261949" y="46591"/>
+                  <a:pt x="1045440" y="37497"/>
+                  <a:pt x="733535" y="27432"/>
+                </a:cubicBezTo>
+                <a:cubicBezTo>
+                  <a:pt x="421630" y="17367"/>
+                  <a:pt x="341257" y="-9215"/>
+                  <a:pt x="0" y="27432"/>
+                </a:cubicBezTo>
+                <a:cubicBezTo>
+                  <a:pt x="-1048" y="14992"/>
+                  <a:pt x="-1120" y="7447"/>
+                  <a:pt x="0" y="0"/>
+                </a:cubicBezTo>
+                <a:close/>
+              </a:path>
+              <a:path w="4243589" h="27432" stroke="0" extrusionOk="0">
+                <a:moveTo>
+                  <a:pt x="0" y="0"/>
+                </a:moveTo>
+                <a:cubicBezTo>
+                  <a:pt x="128164" y="17204"/>
+                  <a:pt x="312653" y="1129"/>
+                  <a:pt x="563791" y="0"/>
+                </a:cubicBezTo>
+                <a:cubicBezTo>
+                  <a:pt x="814929" y="-1129"/>
+                  <a:pt x="837271" y="8503"/>
+                  <a:pt x="1042710" y="0"/>
+                </a:cubicBezTo>
+                <a:cubicBezTo>
+                  <a:pt x="1248149" y="-8503"/>
+                  <a:pt x="1588432" y="-28862"/>
+                  <a:pt x="1733809" y="0"/>
+                </a:cubicBezTo>
+                <a:cubicBezTo>
+                  <a:pt x="1879186" y="28862"/>
+                  <a:pt x="2052815" y="5974"/>
+                  <a:pt x="2297600" y="0"/>
+                </a:cubicBezTo>
+                <a:cubicBezTo>
+                  <a:pt x="2542385" y="-5974"/>
+                  <a:pt x="2699960" y="-23550"/>
+                  <a:pt x="2861391" y="0"/>
+                </a:cubicBezTo>
+                <a:cubicBezTo>
+                  <a:pt x="3022822" y="23550"/>
+                  <a:pt x="3390411" y="25272"/>
+                  <a:pt x="3552490" y="0"/>
+                </a:cubicBezTo>
+                <a:cubicBezTo>
+                  <a:pt x="3714569" y="-25272"/>
+                  <a:pt x="3950585" y="-31327"/>
+                  <a:pt x="4243589" y="0"/>
+                </a:cubicBezTo>
+                <a:cubicBezTo>
+                  <a:pt x="4244074" y="9333"/>
+                  <a:pt x="4244867" y="19699"/>
+                  <a:pt x="4243589" y="27432"/>
+                </a:cubicBezTo>
+                <a:cubicBezTo>
+                  <a:pt x="4130424" y="7904"/>
+                  <a:pt x="3932803" y="51393"/>
+                  <a:pt x="3722234" y="27432"/>
+                </a:cubicBezTo>
+                <a:cubicBezTo>
+                  <a:pt x="3511665" y="3471"/>
+                  <a:pt x="3269903" y="55138"/>
+                  <a:pt x="3116007" y="27432"/>
+                </a:cubicBezTo>
+                <a:cubicBezTo>
+                  <a:pt x="2962111" y="-274"/>
+                  <a:pt x="2744280" y="32368"/>
+                  <a:pt x="2509780" y="27432"/>
+                </a:cubicBezTo>
+                <a:cubicBezTo>
+                  <a:pt x="2275280" y="22496"/>
+                  <a:pt x="2066059" y="52808"/>
+                  <a:pt x="1945989" y="27432"/>
+                </a:cubicBezTo>
+                <a:cubicBezTo>
+                  <a:pt x="1825919" y="2056"/>
+                  <a:pt x="1407329" y="21760"/>
+                  <a:pt x="1254890" y="27432"/>
+                </a:cubicBezTo>
+                <a:cubicBezTo>
+                  <a:pt x="1102451" y="33104"/>
+                  <a:pt x="837950" y="40817"/>
+                  <a:pt x="563791" y="27432"/>
+                </a:cubicBezTo>
+                <a:cubicBezTo>
+                  <a:pt x="289632" y="14047"/>
+                  <a:pt x="132768" y="16249"/>
+                  <a:pt x="0" y="27432"/>
+                </a:cubicBezTo>
+                <a:cubicBezTo>
+                  <a:pt x="211" y="18145"/>
+                  <a:pt x="120" y="6480"/>
+                  <a:pt x="0" y="0"/>
+                </a:cubicBezTo>
+                <a:close/>
+              </a:path>
+            </a:pathLst>
+          </a:custGeom>
+          <a:solidFill>
+            <a:srgbClr val="FF9400"/>
+          </a:solidFill>
+          <a:ln w="38100" cap="rnd">
+            <a:solidFill>
+              <a:srgbClr val="FF9400"/>
+            </a:solidFill>
+            <a:round/>
+            <a:extLst>
+              <a:ext uri="{C807C97D-BFC1-408E-A445-0C87EB9F89A2}">
+                <ask:lineSketchStyleProps xmlns:ask="http://schemas.microsoft.com/office/drawing/2018/sketchyshapes" sd="1219033472">
+                  <a:prstGeom prst="rect">
+                    <a:avLst/>
+                  </a:prstGeom>
+                  <ask:type>
+                    <ask:lineSketchFreehand/>
+                  </ask:type>
+                </ask:lineSketchStyleProps>
+              </a:ext>
+            </a:extLst>
+          </a:ln>
+        </p:spPr>
+        <p:style>
+          <a:lnRef idx="2">
+            <a:schemeClr val="accent1">
+              <a:shade val="50000"/>
+            </a:schemeClr>
+          </a:lnRef>
+          <a:fillRef idx="1">
+            <a:schemeClr val="accent1"/>
+          </a:fillRef>
+          <a:effectRef idx="0">
+            <a:schemeClr val="accent1"/>
+          </a:effectRef>
+          <a:fontRef idx="minor">
+            <a:schemeClr val="lt1"/>
+          </a:fontRef>
+        </p:style>
+        <p:txBody>
+          <a:bodyPr rtlCol="0" anchor="ctr"/>
+          <a:lstStyle/>
+          <a:p>
+            <a:pPr algn="ctr"/>
+            <a:endParaRPr lang="en-US"/>
+          </a:p>
+        </p:txBody>
+      </p:sp>
+      <p:pic>
+        <p:nvPicPr>
+          <p:cNvPr id="6" name="Tijdelijke aanduiding voor inhoud 5" descr="Afbeelding met tekst, schermopname, nummer, Lettertype&#10;&#10;Automatisch gegenereerde beschrijving">
+            <a:extLst>
+              <a:ext uri="{FF2B5EF4-FFF2-40B4-BE49-F238E27FC236}">
+                <a16:creationId xmlns:a16="http://schemas.microsoft.com/office/drawing/2014/main" id="{7BA55F41-9926-83B2-3BBE-B503FB7F69D9}"/>
+              </a:ext>
+            </a:extLst>
+          </p:cNvPr>
+          <p:cNvPicPr>
+            <a:picLocks noChangeAspect="1"/>
+          </p:cNvPicPr>
+          <p:nvPr/>
+        </p:nvPicPr>
+        <p:blipFill rotWithShape="1">
+          <a:blip r:embed="rId3"/>
+          <a:srcRect r="15709" b="-2"/>
+          <a:stretch/>
+        </p:blipFill>
+        <p:spPr>
+          <a:xfrm>
+            <a:off x="1" y="2716076"/>
+            <a:ext cx="5909625" cy="4141924"/>
+          </a:xfrm>
+          <a:custGeom>
+            <a:avLst/>
+            <a:gdLst/>
+            <a:ahLst/>
+            <a:cxnLst/>
+            <a:rect l="l" t="t" r="r" b="b"/>
+            <a:pathLst>
+              <a:path w="5909625" h="4141924">
+                <a:moveTo>
+                  <a:pt x="1823444" y="1329"/>
+                </a:moveTo>
+                <a:cubicBezTo>
+                  <a:pt x="1893960" y="3895"/>
+                  <a:pt x="1964367" y="10183"/>
+                  <a:pt x="2034428" y="20181"/>
+                </a:cubicBezTo>
+                <a:cubicBezTo>
+                  <a:pt x="2139449" y="36834"/>
+                  <a:pt x="2245360" y="26532"/>
+                  <a:pt x="2350889" y="19476"/>
+                </a:cubicBezTo>
+                <a:cubicBezTo>
+                  <a:pt x="2478642" y="10867"/>
+                  <a:pt x="2606268" y="6210"/>
+                  <a:pt x="2734275" y="20323"/>
+                </a:cubicBezTo>
+                <a:cubicBezTo>
+                  <a:pt x="2825326" y="30483"/>
+                  <a:pt x="2916886" y="21029"/>
+                  <a:pt x="3008193" y="15383"/>
+                </a:cubicBezTo>
+                <a:cubicBezTo>
+                  <a:pt x="3103486" y="8045"/>
+                  <a:pt x="3199137" y="8045"/>
+                  <a:pt x="3294430" y="15383"/>
+                </a:cubicBezTo>
+                <a:cubicBezTo>
+                  <a:pt x="3381546" y="22750"/>
+                  <a:pt x="3469080" y="21000"/>
+                  <a:pt x="3555904" y="10161"/>
+                </a:cubicBezTo>
+                <a:cubicBezTo>
+                  <a:pt x="3657497" y="-1693"/>
+                  <a:pt x="3759089" y="7480"/>
+                  <a:pt x="3860682" y="16089"/>
+                </a:cubicBezTo>
+                <a:cubicBezTo>
+                  <a:pt x="4039485" y="31472"/>
+                  <a:pt x="4218161" y="24557"/>
+                  <a:pt x="4396583" y="13266"/>
+                </a:cubicBezTo>
+                <a:cubicBezTo>
+                  <a:pt x="4519422" y="6041"/>
+                  <a:pt x="4642589" y="10007"/>
+                  <a:pt x="4764856" y="25121"/>
+                </a:cubicBezTo>
+                <a:cubicBezTo>
+                  <a:pt x="4813493" y="30483"/>
+                  <a:pt x="4862258" y="29496"/>
+                  <a:pt x="4911023" y="30483"/>
+                </a:cubicBezTo>
+                <a:cubicBezTo>
+                  <a:pt x="4915721" y="30625"/>
+                  <a:pt x="4920801" y="29108"/>
+                  <a:pt x="4925690" y="28984"/>
+                </a:cubicBezTo>
+                <a:lnTo>
+                  <a:pt x="4927821" y="30065"/>
+                </a:lnTo>
+                <a:lnTo>
+                  <a:pt x="4960258" y="27641"/>
+                </a:lnTo>
+                <a:lnTo>
+                  <a:pt x="4964870" y="27986"/>
+                </a:lnTo>
+                <a:lnTo>
+                  <a:pt x="4964882" y="27978"/>
+                </a:lnTo>
+                <a:cubicBezTo>
+                  <a:pt x="4969755" y="27908"/>
+                  <a:pt x="4974899" y="29284"/>
+                  <a:pt x="4979471" y="28790"/>
+                </a:cubicBezTo>
+                <a:cubicBezTo>
+                  <a:pt x="5154578" y="12123"/>
+                  <a:pt x="5330536" y="9611"/>
+                  <a:pt x="5505974" y="21310"/>
+                </a:cubicBezTo>
+                <a:cubicBezTo>
+                  <a:pt x="5586740" y="25614"/>
+                  <a:pt x="5667442" y="25544"/>
+                  <a:pt x="5748129" y="23092"/>
+                </a:cubicBezTo>
+                <a:lnTo>
+                  <a:pt x="5892006" y="15658"/>
+                </a:lnTo>
+                <a:lnTo>
+                  <a:pt x="5894187" y="91357"/>
+                </a:lnTo>
+                <a:cubicBezTo>
+                  <a:pt x="5891252" y="119679"/>
+                  <a:pt x="5887042" y="148001"/>
+                  <a:pt x="5881429" y="176068"/>
+                </a:cubicBezTo>
+                <a:cubicBezTo>
+                  <a:pt x="5868671" y="240494"/>
+                  <a:pt x="5878112" y="303645"/>
+                  <a:pt x="5888063" y="367433"/>
+                </a:cubicBezTo>
+                <a:cubicBezTo>
+                  <a:pt x="5896291" y="414790"/>
+                  <a:pt x="5896291" y="463218"/>
+                  <a:pt x="5888063" y="510574"/>
+                </a:cubicBezTo>
+                <a:cubicBezTo>
+                  <a:pt x="5868926" y="612636"/>
+                  <a:pt x="5879515" y="714697"/>
+                  <a:pt x="5889083" y="815610"/>
+                </a:cubicBezTo>
+                <a:cubicBezTo>
+                  <a:pt x="5901841" y="951224"/>
+                  <a:pt x="5908220" y="1085690"/>
+                  <a:pt x="5876326" y="1220284"/>
+                </a:cubicBezTo>
+                <a:cubicBezTo>
+                  <a:pt x="5856296" y="1304994"/>
+                  <a:pt x="5872754" y="1390981"/>
+                  <a:pt x="5883342" y="1475437"/>
+                </a:cubicBezTo>
+                <a:cubicBezTo>
+                  <a:pt x="5891354" y="1538243"/>
+                  <a:pt x="5892298" y="1601751"/>
+                  <a:pt x="5886149" y="1664761"/>
+                </a:cubicBezTo>
+                <a:cubicBezTo>
+                  <a:pt x="5876836" y="1760329"/>
+                  <a:pt x="5880140" y="1856713"/>
+                  <a:pt x="5895972" y="1951426"/>
+                </a:cubicBezTo>
+                <a:cubicBezTo>
+                  <a:pt x="5905362" y="2004791"/>
+                  <a:pt x="5901727" y="2059623"/>
+                  <a:pt x="5885384" y="2111279"/>
+                </a:cubicBezTo>
+                <a:cubicBezTo>
+                  <a:pt x="5861527" y="2185401"/>
+                  <a:pt x="5875943" y="2261054"/>
+                  <a:pt x="5885384" y="2335942"/>
+                </a:cubicBezTo>
+                <a:cubicBezTo>
+                  <a:pt x="5899545" y="2453440"/>
+                  <a:pt x="5916513" y="2570683"/>
+                  <a:pt x="5906434" y="2689584"/>
+                </a:cubicBezTo>
+                <a:cubicBezTo>
+                  <a:pt x="5904839" y="2722155"/>
+                  <a:pt x="5900310" y="2754521"/>
+                  <a:pt x="5892910" y="2786288"/>
+                </a:cubicBezTo>
+                <a:cubicBezTo>
+                  <a:pt x="5859473" y="2908978"/>
+                  <a:pt x="5857980" y="3038188"/>
+                  <a:pt x="5888573" y="3161618"/>
+                </a:cubicBezTo>
+                <a:cubicBezTo>
+                  <a:pt x="5920978" y="3294426"/>
+                  <a:pt x="5914089" y="3426468"/>
+                  <a:pt x="5880791" y="3558127"/>
+                </a:cubicBezTo>
+                <a:cubicBezTo>
+                  <a:pt x="5844074" y="3697862"/>
+                  <a:pt x="5840847" y="3844294"/>
+                  <a:pt x="5871350" y="3985509"/>
+                </a:cubicBezTo>
+                <a:lnTo>
+                  <a:pt x="5884107" y="4141924"/>
+                </a:lnTo>
+                <a:lnTo>
+                  <a:pt x="0" y="4141924"/>
+                </a:lnTo>
+                <a:lnTo>
+                  <a:pt x="0" y="18996"/>
+                </a:lnTo>
+                <a:lnTo>
+                  <a:pt x="114789" y="16636"/>
+                </a:lnTo>
+                <a:cubicBezTo>
+                  <a:pt x="229350" y="12949"/>
+                  <a:pt x="343737" y="7904"/>
+                  <a:pt x="457838" y="9315"/>
+                </a:cubicBezTo>
+                <a:cubicBezTo>
+                  <a:pt x="553081" y="10444"/>
+                  <a:pt x="648070" y="31612"/>
+                  <a:pt x="743567" y="27661"/>
+                </a:cubicBezTo>
+                <a:cubicBezTo>
+                  <a:pt x="1032979" y="16089"/>
+                  <a:pt x="1322518" y="19899"/>
+                  <a:pt x="1611803" y="4799"/>
+                </a:cubicBezTo>
+                <a:cubicBezTo>
+                  <a:pt x="1682301" y="-85"/>
+                  <a:pt x="1752927" y="-1238"/>
+                  <a:pt x="1823444" y="1329"/>
+                </a:cubicBezTo>
+                <a:close/>
+              </a:path>
+            </a:pathLst>
+          </a:custGeom>
+        </p:spPr>
+      </p:pic>
+      <p:sp>
+        <p:nvSpPr>
+          <p:cNvPr id="15" name="Content Placeholder 14">
+            <a:extLst>
+              <a:ext uri="{FF2B5EF4-FFF2-40B4-BE49-F238E27FC236}">
+                <a16:creationId xmlns:a16="http://schemas.microsoft.com/office/drawing/2014/main" id="{AF91F73D-9666-5448-D8DB-9ED16A22CDD6}"/>
+              </a:ext>
+            </a:extLst>
+          </p:cNvPr>
+          <p:cNvSpPr>
+            <a:spLocks noGrp="1"/>
+          </p:cNvSpPr>
+          <p:nvPr>
+            <p:ph idx="1"/>
+          </p:nvPr>
+        </p:nvSpPr>
+        <p:spPr>
+          <a:xfrm>
+            <a:off x="6501809" y="2846851"/>
+            <a:ext cx="5220586" cy="3330111"/>
+          </a:xfrm>
+        </p:spPr>
+        <p:txBody>
+          <a:bodyPr>
+            <a:normAutofit fontScale="92500" lnSpcReduction="20000"/>
+          </a:bodyPr>
+          <a:lstStyle/>
+          <a:p>
+            <a:pPr>
+              <a:lnSpc>
+                <a:spcPct val="100000"/>
+              </a:lnSpc>
+            </a:pPr>
+            <a:r>
+              <a:rPr lang="en-US" dirty="0" err="1"/>
+              <a:t>Buisnessplan</a:t>
+            </a:r>
+            <a:r>
+              <a:rPr lang="en-US" dirty="0"/>
+              <a:t> </a:t>
+            </a:r>
+          </a:p>
+          <a:p>
+            <a:pPr>
+              <a:lnSpc>
+                <a:spcPct val="100000"/>
+              </a:lnSpc>
+            </a:pPr>
+            <a:r>
+              <a:rPr lang="en-US" dirty="0" err="1"/>
+              <a:t>Productfilters</a:t>
+            </a:r>
+            <a:endParaRPr lang="en-US" dirty="0"/>
+          </a:p>
+          <a:p>
+            <a:pPr>
+              <a:lnSpc>
+                <a:spcPct val="100000"/>
+              </a:lnSpc>
+            </a:pPr>
+            <a:r>
+              <a:rPr lang="en-US" dirty="0" err="1"/>
+              <a:t>Productvariaties</a:t>
+            </a:r>
+            <a:endParaRPr lang="en-US" dirty="0"/>
+          </a:p>
+          <a:p>
+            <a:pPr>
+              <a:lnSpc>
+                <a:spcPct val="100000"/>
+              </a:lnSpc>
+            </a:pPr>
+            <a:r>
+              <a:rPr lang="en-US" dirty="0" err="1"/>
+              <a:t>Voorraad</a:t>
+            </a:r>
+            <a:r>
+              <a:rPr lang="en-US" dirty="0"/>
+              <a:t> </a:t>
+            </a:r>
+            <a:r>
+              <a:rPr lang="en-US" dirty="0" err="1"/>
+              <a:t>beheer</a:t>
+            </a:r>
+            <a:endParaRPr lang="en-US" dirty="0"/>
+          </a:p>
+          <a:p>
+            <a:pPr>
+              <a:lnSpc>
+                <a:spcPct val="100000"/>
+              </a:lnSpc>
+            </a:pPr>
+            <a:r>
+              <a:rPr lang="en-US" dirty="0" err="1"/>
+              <a:t>Niet</a:t>
+            </a:r>
+            <a:r>
+              <a:rPr lang="en-US" dirty="0"/>
+              <a:t> </a:t>
+            </a:r>
+            <a:r>
+              <a:rPr lang="en-US" dirty="0" err="1"/>
+              <a:t>afgerkende</a:t>
+            </a:r>
+            <a:r>
+              <a:rPr lang="en-US" dirty="0"/>
+              <a:t> </a:t>
+            </a:r>
+            <a:r>
+              <a:rPr lang="en-US" dirty="0" err="1"/>
+              <a:t>winkelwagens</a:t>
+            </a:r>
+            <a:r>
+              <a:rPr lang="en-US" dirty="0"/>
+              <a:t> </a:t>
+            </a:r>
+            <a:r>
+              <a:rPr lang="en-US" dirty="0" err="1"/>
+              <a:t>bijhouden</a:t>
+            </a:r>
+            <a:endParaRPr lang="en-US" dirty="0"/>
+          </a:p>
+          <a:p>
+            <a:pPr>
+              <a:lnSpc>
+                <a:spcPct val="100000"/>
+              </a:lnSpc>
+            </a:pPr>
+            <a:r>
+              <a:rPr lang="en-US" dirty="0"/>
+              <a:t>2 </a:t>
+            </a:r>
+            <a:r>
+              <a:rPr lang="en-US" dirty="0" err="1"/>
+              <a:t>medewerkeracouts</a:t>
+            </a:r>
+            <a:r>
+              <a:rPr lang="en-US" dirty="0"/>
+              <a:t> </a:t>
+            </a:r>
+          </a:p>
+          <a:p>
+            <a:pPr>
+              <a:lnSpc>
+                <a:spcPct val="100000"/>
+              </a:lnSpc>
+            </a:pPr>
+            <a:r>
+              <a:rPr lang="en-US" dirty="0" err="1"/>
+              <a:t>Fouten</a:t>
+            </a:r>
+            <a:r>
+              <a:rPr lang="en-US" dirty="0"/>
+              <a:t> in </a:t>
+            </a:r>
+            <a:r>
+              <a:rPr lang="en-US" dirty="0" err="1"/>
+              <a:t>geplaatste</a:t>
+            </a:r>
+            <a:r>
+              <a:rPr lang="en-US" dirty="0"/>
+              <a:t> orders </a:t>
+            </a:r>
+            <a:r>
+              <a:rPr lang="en-US" dirty="0" err="1"/>
+              <a:t>aanpassen</a:t>
+            </a:r>
+            <a:endParaRPr lang="en-US" dirty="0"/>
+          </a:p>
+        </p:txBody>
+      </p:sp>
+    </p:spTree>
+    <p:extLst>
+      <p:ext uri="{BB962C8B-B14F-4D97-AF65-F5344CB8AC3E}">
+        <p14:creationId xmlns:p14="http://schemas.microsoft.com/office/powerpoint/2010/main" val="1396407420"/>
+      </p:ext>
+    </p:extLst>
+  </p:cSld>
+  <p:clrMapOvr>
+    <a:masterClrMapping/>
+  </p:clrMapOvr>
+</p:sld>
+</file>
+
+<file path=ppt/slides/slide8.xml><?xml version="1.0" encoding="utf-8"?>
+<p:sld xmlns:a="http://schemas.openxmlformats.org/drawingml/2006/main" xmlns:r="http://schemas.openxmlformats.org/officeDocument/2006/relationships" xmlns:p="http://schemas.openxmlformats.org/presentationml/2006/main">
+  <p:cSld>
+    <p:bg>
+      <p:bgPr>
+        <a:solidFill>
+          <a:schemeClr val="bg1"/>
+        </a:solidFill>
+        <a:effectLst/>
+      </p:bgPr>
+    </p:bg>
+    <p:spTree>
+      <p:nvGrpSpPr>
+        <p:cNvPr id="1" name=""/>
+        <p:cNvGrpSpPr/>
+        <p:nvPr/>
+      </p:nvGrpSpPr>
+      <p:grpSpPr>
+        <a:xfrm>
+          <a:off x="0" y="0"/>
+          <a:ext cx="0" cy="0"/>
+          <a:chOff x="0" y="0"/>
+          <a:chExt cx="0" cy="0"/>
+        </a:xfrm>
+      </p:grpSpPr>
+      <p:sp useBgFill="1">
+        <p:nvSpPr>
+          <p:cNvPr id="9" name="Rectangle 8">
+            <a:extLst>
+              <a:ext uri="{FF2B5EF4-FFF2-40B4-BE49-F238E27FC236}">
+                <a16:creationId xmlns:a16="http://schemas.microsoft.com/office/drawing/2014/main" id="{657F69E0-C4B0-4BEC-A689-4F8D877F05D4}"/>
+              </a:ext>
+              <a:ext uri="{C183D7F6-B498-43B3-948B-1728B52AA6E4}">
+                <adec:decorative xmlns:adec="http://schemas.microsoft.com/office/drawing/2017/decorative" val="1"/>
+              </a:ext>
+            </a:extLst>
+          </p:cNvPr>
+          <p:cNvSpPr>
+            <a:spLocks noGrp="1" noRot="1" noChangeAspect="1" noMove="1" noResize="1" noEditPoints="1" noAdjustHandles="1" noChangeArrowheads="1" noChangeShapeType="1" noTextEdit="1"/>
+          </p:cNvSpPr>
+          <p:nvPr>
+            <p:extLst>
+              <p:ext uri="{386F3935-93C4-4BCD-93E2-E3B085C9AB24}">
+                <p16:designElem xmlns:p16="http://schemas.microsoft.com/office/powerpoint/2015/main" val="1"/>
+              </p:ext>
+            </p:extLst>
+          </p:nvPr>
+        </p:nvSpPr>
+        <p:spPr>
+          <a:xfrm>
+            <a:off x="0" y="0"/>
+            <a:ext cx="12188952" cy="6858000"/>
+          </a:xfrm>
+          <a:prstGeom prst="rect">
+            <a:avLst/>
+          </a:prstGeom>
+          <a:ln>
+            <a:noFill/>
+          </a:ln>
+        </p:spPr>
+        <p:style>
+          <a:lnRef idx="2">
+            <a:schemeClr val="accent1">
+              <a:shade val="50000"/>
+            </a:schemeClr>
+          </a:lnRef>
+          <a:fillRef idx="1">
+            <a:schemeClr val="accent1"/>
+          </a:fillRef>
+          <a:effectRef idx="0">
+            <a:schemeClr val="accent1"/>
+          </a:effectRef>
+          <a:fontRef idx="minor">
+            <a:schemeClr val="lt1"/>
+          </a:fontRef>
+        </p:style>
+        <p:txBody>
+          <a:bodyPr rtlCol="0" anchor="ctr"/>
+          <a:lstStyle/>
+          <a:p>
+            <a:pPr algn="ctr"/>
+            <a:endParaRPr lang="en-US"/>
+          </a:p>
+        </p:txBody>
+      </p:sp>
+      <p:pic>
+        <p:nvPicPr>
+          <p:cNvPr id="4" name="Picture 3" descr="Een abstract genetisch concept">
+            <a:extLst>
+              <a:ext uri="{FF2B5EF4-FFF2-40B4-BE49-F238E27FC236}">
+                <a16:creationId xmlns:a16="http://schemas.microsoft.com/office/drawing/2014/main" id="{780CDAD2-CB53-2510-8A6F-0571AF4C7BF4}"/>
+              </a:ext>
+            </a:extLst>
+          </p:cNvPr>
+          <p:cNvPicPr>
+            <a:picLocks noChangeAspect="1"/>
+          </p:cNvPicPr>
+          <p:nvPr/>
+        </p:nvPicPr>
+        <p:blipFill rotWithShape="1">
+          <a:blip r:embed="rId2">
+            <a:alphaModFix amt="50000"/>
+          </a:blip>
+          <a:srcRect t="24453" r="-1" b="19283"/>
+          <a:stretch/>
+        </p:blipFill>
+        <p:spPr>
+          <a:xfrm>
+            <a:off x="20" y="10"/>
+            <a:ext cx="12188930" cy="6857990"/>
+          </a:xfrm>
+          <a:prstGeom prst="rect">
+            <a:avLst/>
+          </a:prstGeom>
+        </p:spPr>
+      </p:pic>
+      <p:sp>
+        <p:nvSpPr>
+          <p:cNvPr id="2" name="Titel 1">
+            <a:extLst>
+              <a:ext uri="{FF2B5EF4-FFF2-40B4-BE49-F238E27FC236}">
+                <a16:creationId xmlns:a16="http://schemas.microsoft.com/office/drawing/2014/main" id="{45504654-D95C-A4C2-D201-A60657CF48B1}"/>
+              </a:ext>
+            </a:extLst>
+          </p:cNvPr>
+          <p:cNvSpPr>
+            <a:spLocks noGrp="1"/>
+          </p:cNvSpPr>
+          <p:nvPr>
+            <p:ph type="ctrTitle"/>
+          </p:nvPr>
+        </p:nvSpPr>
+        <p:spPr>
+          <a:xfrm>
+            <a:off x="1524000" y="1122363"/>
+            <a:ext cx="9144000" cy="3063240"/>
+          </a:xfrm>
+        </p:spPr>
+        <p:txBody>
+          <a:bodyPr>
+            <a:normAutofit fontScale="90000"/>
+          </a:bodyPr>
+          <a:lstStyle/>
+          <a:p>
+            <a:pPr algn="ctr"/>
+            <a:r>
+              <a:rPr lang="nl-NL" sz="10800" dirty="0"/>
+              <a:t>Vragen </a:t>
+            </a:r>
+            <a:r>
+              <a:rPr lang="nl-NL" sz="10800"/>
+              <a:t>en opmerkingen?</a:t>
+            </a:r>
+          </a:p>
+        </p:txBody>
+      </p:sp>
+      <p:sp>
+        <p:nvSpPr>
+          <p:cNvPr id="3" name="Ondertitel 2">
+            <a:extLst>
+              <a:ext uri="{FF2B5EF4-FFF2-40B4-BE49-F238E27FC236}">
+                <a16:creationId xmlns:a16="http://schemas.microsoft.com/office/drawing/2014/main" id="{D4BA9DA7-FD3D-BB01-B704-3A19940F78E4}"/>
+              </a:ext>
+            </a:extLst>
+          </p:cNvPr>
+          <p:cNvSpPr>
+            <a:spLocks noGrp="1"/>
+          </p:cNvSpPr>
+          <p:nvPr>
+            <p:ph type="subTitle" idx="1"/>
+          </p:nvPr>
+        </p:nvSpPr>
+        <p:spPr>
+          <a:xfrm>
+            <a:off x="1527048" y="4599432"/>
+            <a:ext cx="9144000" cy="1536192"/>
+          </a:xfrm>
+        </p:spPr>
+        <p:txBody>
+          <a:bodyPr>
+            <a:normAutofit/>
+          </a:bodyPr>
+          <a:lstStyle/>
+          <a:p>
+            <a:pPr algn="ctr"/>
+            <a:endParaRPr lang="nl-NL" sz="3200"/>
+          </a:p>
+        </p:txBody>
+      </p:sp>
+      <p:sp>
+        <p:nvSpPr>
+          <p:cNvPr id="11" name="Rectangle 6">
+            <a:extLst>
+              <a:ext uri="{FF2B5EF4-FFF2-40B4-BE49-F238E27FC236}">
+                <a16:creationId xmlns:a16="http://schemas.microsoft.com/office/drawing/2014/main" id="{9F6380B4-6A1C-481E-8408-B4E6C75B9B81}"/>
+              </a:ext>
+              <a:ext uri="{C183D7F6-B498-43B3-948B-1728B52AA6E4}">
+                <adec:decorative xmlns:adec="http://schemas.microsoft.com/office/drawing/2017/decorative" val="1"/>
+              </a:ext>
+            </a:extLst>
+          </p:cNvPr>
+          <p:cNvSpPr>
+            <a:spLocks noGrp="1" noRot="1" noChangeAspect="1" noMove="1" noResize="1" noEditPoints="1" noAdjustHandles="1" noChangeArrowheads="1" noChangeShapeType="1" noTextEdit="1"/>
+          </p:cNvSpPr>
+          <p:nvPr>
+            <p:extLst>
+              <p:ext uri="{386F3935-93C4-4BCD-93E2-E3B085C9AB24}">
+                <p16:designElem xmlns:p16="http://schemas.microsoft.com/office/powerpoint/2015/main" val="1"/>
+              </p:ext>
+            </p:extLst>
+          </p:nvPr>
+        </p:nvSpPr>
+        <p:spPr>
+          <a:xfrm>
+            <a:off x="3974206" y="4368623"/>
+            <a:ext cx="4243589" cy="27432"/>
+          </a:xfrm>
+          <a:custGeom>
+            <a:avLst/>
+            <a:gdLst>
+              <a:gd name="connsiteX0" fmla="*/ 0 w 4243589"/>
+              <a:gd name="connsiteY0" fmla="*/ 0 h 27432"/>
+              <a:gd name="connsiteX1" fmla="*/ 563791 w 4243589"/>
+              <a:gd name="connsiteY1" fmla="*/ 0 h 27432"/>
+              <a:gd name="connsiteX2" fmla="*/ 1042710 w 4243589"/>
+              <a:gd name="connsiteY2" fmla="*/ 0 h 27432"/>
+              <a:gd name="connsiteX3" fmla="*/ 1564066 w 4243589"/>
+              <a:gd name="connsiteY3" fmla="*/ 0 h 27432"/>
+              <a:gd name="connsiteX4" fmla="*/ 2212729 w 4243589"/>
+              <a:gd name="connsiteY4" fmla="*/ 0 h 27432"/>
+              <a:gd name="connsiteX5" fmla="*/ 2776520 w 4243589"/>
+              <a:gd name="connsiteY5" fmla="*/ 0 h 27432"/>
+              <a:gd name="connsiteX6" fmla="*/ 3297875 w 4243589"/>
+              <a:gd name="connsiteY6" fmla="*/ 0 h 27432"/>
+              <a:gd name="connsiteX7" fmla="*/ 4243589 w 4243589"/>
+              <a:gd name="connsiteY7" fmla="*/ 0 h 27432"/>
+              <a:gd name="connsiteX8" fmla="*/ 4243589 w 4243589"/>
+              <a:gd name="connsiteY8" fmla="*/ 27432 h 27432"/>
+              <a:gd name="connsiteX9" fmla="*/ 3637362 w 4243589"/>
+              <a:gd name="connsiteY9" fmla="*/ 27432 h 27432"/>
+              <a:gd name="connsiteX10" fmla="*/ 3116007 w 4243589"/>
+              <a:gd name="connsiteY10" fmla="*/ 27432 h 27432"/>
+              <a:gd name="connsiteX11" fmla="*/ 2424908 w 4243589"/>
+              <a:gd name="connsiteY11" fmla="*/ 27432 h 27432"/>
+              <a:gd name="connsiteX12" fmla="*/ 1861117 w 4243589"/>
+              <a:gd name="connsiteY12" fmla="*/ 27432 h 27432"/>
+              <a:gd name="connsiteX13" fmla="*/ 1382198 w 4243589"/>
+              <a:gd name="connsiteY13" fmla="*/ 27432 h 27432"/>
+              <a:gd name="connsiteX14" fmla="*/ 733535 w 4243589"/>
+              <a:gd name="connsiteY14" fmla="*/ 27432 h 27432"/>
+              <a:gd name="connsiteX15" fmla="*/ 0 w 4243589"/>
+              <a:gd name="connsiteY15" fmla="*/ 27432 h 27432"/>
+              <a:gd name="connsiteX16" fmla="*/ 0 w 4243589"/>
+              <a:gd name="connsiteY16" fmla="*/ 0 h 27432"/>
+            </a:gdLst>
+            <a:ahLst/>
+            <a:cxnLst>
+              <a:cxn ang="0">
+                <a:pos x="connsiteX0" y="connsiteY0"/>
+              </a:cxn>
+              <a:cxn ang="0">
+                <a:pos x="connsiteX1" y="connsiteY1"/>
+              </a:cxn>
+              <a:cxn ang="0">
+                <a:pos x="connsiteX2" y="connsiteY2"/>
+              </a:cxn>
+              <a:cxn ang="0">
+                <a:pos x="connsiteX3" y="connsiteY3"/>
+              </a:cxn>
+              <a:cxn ang="0">
+                <a:pos x="connsiteX4" y="connsiteY4"/>
+              </a:cxn>
+              <a:cxn ang="0">
+                <a:pos x="connsiteX5" y="connsiteY5"/>
+              </a:cxn>
+              <a:cxn ang="0">
+                <a:pos x="connsiteX6" y="connsiteY6"/>
+              </a:cxn>
+              <a:cxn ang="0">
+                <a:pos x="connsiteX7" y="connsiteY7"/>
+              </a:cxn>
+              <a:cxn ang="0">
+                <a:pos x="connsiteX8" y="connsiteY8"/>
+              </a:cxn>
+              <a:cxn ang="0">
+                <a:pos x="connsiteX9" y="connsiteY9"/>
+              </a:cxn>
+              <a:cxn ang="0">
+                <a:pos x="connsiteX10" y="connsiteY10"/>
+              </a:cxn>
+              <a:cxn ang="0">
+                <a:pos x="connsiteX11" y="connsiteY11"/>
+              </a:cxn>
+              <a:cxn ang="0">
+                <a:pos x="connsiteX12" y="connsiteY12"/>
+              </a:cxn>
+              <a:cxn ang="0">
+                <a:pos x="connsiteX13" y="connsiteY13"/>
+              </a:cxn>
+              <a:cxn ang="0">
+                <a:pos x="connsiteX14" y="connsiteY14"/>
+              </a:cxn>
+              <a:cxn ang="0">
+                <a:pos x="connsiteX15" y="connsiteY15"/>
+              </a:cxn>
+              <a:cxn ang="0">
+                <a:pos x="connsiteX16" y="connsiteY16"/>
+              </a:cxn>
+            </a:cxnLst>
+            <a:rect l="l" t="t" r="r" b="b"/>
+            <a:pathLst>
+              <a:path w="4243589" h="27432" fill="none" extrusionOk="0">
+                <a:moveTo>
+                  <a:pt x="0" y="0"/>
+                </a:moveTo>
+                <a:cubicBezTo>
+                  <a:pt x="157351" y="-15653"/>
+                  <a:pt x="378877" y="-5828"/>
+                  <a:pt x="563791" y="0"/>
+                </a:cubicBezTo>
+                <a:cubicBezTo>
+                  <a:pt x="748705" y="5828"/>
+                  <a:pt x="905659" y="-5525"/>
+                  <a:pt x="1042710" y="0"/>
+                </a:cubicBezTo>
+                <a:cubicBezTo>
+                  <a:pt x="1179761" y="5525"/>
+                  <a:pt x="1356845" y="-21288"/>
+                  <a:pt x="1564066" y="0"/>
+                </a:cubicBezTo>
+                <a:cubicBezTo>
+                  <a:pt x="1771287" y="21288"/>
+                  <a:pt x="1912099" y="25135"/>
+                  <a:pt x="2212729" y="0"/>
+                </a:cubicBezTo>
+                <a:cubicBezTo>
+                  <a:pt x="2513359" y="-25135"/>
+                  <a:pt x="2514918" y="-27119"/>
+                  <a:pt x="2776520" y="0"/>
+                </a:cubicBezTo>
+                <a:cubicBezTo>
+                  <a:pt x="3038122" y="27119"/>
+                  <a:pt x="3178771" y="18116"/>
+                  <a:pt x="3297875" y="0"/>
+                </a:cubicBezTo>
+                <a:cubicBezTo>
+                  <a:pt x="3416980" y="-18116"/>
+                  <a:pt x="4012240" y="-40869"/>
+                  <a:pt x="4243589" y="0"/>
+                </a:cubicBezTo>
+                <a:cubicBezTo>
+                  <a:pt x="4242616" y="8304"/>
+                  <a:pt x="4243111" y="21512"/>
+                  <a:pt x="4243589" y="27432"/>
+                </a:cubicBezTo>
+                <a:cubicBezTo>
+                  <a:pt x="4112949" y="6289"/>
+                  <a:pt x="3928037" y="10975"/>
+                  <a:pt x="3637362" y="27432"/>
+                </a:cubicBezTo>
+                <a:cubicBezTo>
+                  <a:pt x="3346687" y="43889"/>
+                  <a:pt x="3254446" y="35813"/>
+                  <a:pt x="3116007" y="27432"/>
+                </a:cubicBezTo>
+                <a:cubicBezTo>
+                  <a:pt x="2977569" y="19051"/>
+                  <a:pt x="2620228" y="38017"/>
+                  <a:pt x="2424908" y="27432"/>
+                </a:cubicBezTo>
+                <a:cubicBezTo>
+                  <a:pt x="2229588" y="16847"/>
+                  <a:pt x="2088287" y="5290"/>
+                  <a:pt x="1861117" y="27432"/>
+                </a:cubicBezTo>
+                <a:cubicBezTo>
+                  <a:pt x="1633947" y="49574"/>
+                  <a:pt x="1502447" y="8273"/>
+                  <a:pt x="1382198" y="27432"/>
+                </a:cubicBezTo>
+                <a:cubicBezTo>
+                  <a:pt x="1261949" y="46591"/>
+                  <a:pt x="1045440" y="37497"/>
+                  <a:pt x="733535" y="27432"/>
+                </a:cubicBezTo>
+                <a:cubicBezTo>
+                  <a:pt x="421630" y="17367"/>
+                  <a:pt x="341257" y="-9215"/>
+                  <a:pt x="0" y="27432"/>
+                </a:cubicBezTo>
+                <a:cubicBezTo>
+                  <a:pt x="-1048" y="14992"/>
+                  <a:pt x="-1120" y="7447"/>
+                  <a:pt x="0" y="0"/>
+                </a:cubicBezTo>
+                <a:close/>
+              </a:path>
+              <a:path w="4243589" h="27432" stroke="0" extrusionOk="0">
+                <a:moveTo>
+                  <a:pt x="0" y="0"/>
+                </a:moveTo>
+                <a:cubicBezTo>
+                  <a:pt x="128164" y="17204"/>
+                  <a:pt x="312653" y="1129"/>
+                  <a:pt x="563791" y="0"/>
+                </a:cubicBezTo>
+                <a:cubicBezTo>
+                  <a:pt x="814929" y="-1129"/>
+                  <a:pt x="837271" y="8503"/>
+                  <a:pt x="1042710" y="0"/>
+                </a:cubicBezTo>
+                <a:cubicBezTo>
+                  <a:pt x="1248149" y="-8503"/>
+                  <a:pt x="1588432" y="-28862"/>
+                  <a:pt x="1733809" y="0"/>
+                </a:cubicBezTo>
+                <a:cubicBezTo>
+                  <a:pt x="1879186" y="28862"/>
+                  <a:pt x="2052815" y="5974"/>
+                  <a:pt x="2297600" y="0"/>
+                </a:cubicBezTo>
+                <a:cubicBezTo>
+                  <a:pt x="2542385" y="-5974"/>
+                  <a:pt x="2699960" y="-23550"/>
+                  <a:pt x="2861391" y="0"/>
+                </a:cubicBezTo>
+                <a:cubicBezTo>
+                  <a:pt x="3022822" y="23550"/>
+                  <a:pt x="3390411" y="25272"/>
+                  <a:pt x="3552490" y="0"/>
+                </a:cubicBezTo>
+                <a:cubicBezTo>
+                  <a:pt x="3714569" y="-25272"/>
+                  <a:pt x="3950585" y="-31327"/>
+                  <a:pt x="4243589" y="0"/>
+                </a:cubicBezTo>
+                <a:cubicBezTo>
+                  <a:pt x="4244074" y="9333"/>
+                  <a:pt x="4244867" y="19699"/>
+                  <a:pt x="4243589" y="27432"/>
+                </a:cubicBezTo>
+                <a:cubicBezTo>
+                  <a:pt x="4130424" y="7904"/>
+                  <a:pt x="3932803" y="51393"/>
+                  <a:pt x="3722234" y="27432"/>
+                </a:cubicBezTo>
+                <a:cubicBezTo>
+                  <a:pt x="3511665" y="3471"/>
+                  <a:pt x="3269903" y="55138"/>
+                  <a:pt x="3116007" y="27432"/>
+                </a:cubicBezTo>
+                <a:cubicBezTo>
+                  <a:pt x="2962111" y="-274"/>
+                  <a:pt x="2744280" y="32368"/>
+                  <a:pt x="2509780" y="27432"/>
+                </a:cubicBezTo>
+                <a:cubicBezTo>
+                  <a:pt x="2275280" y="22496"/>
+                  <a:pt x="2066059" y="52808"/>
+                  <a:pt x="1945989" y="27432"/>
+                </a:cubicBezTo>
+                <a:cubicBezTo>
+                  <a:pt x="1825919" y="2056"/>
+                  <a:pt x="1407329" y="21760"/>
+                  <a:pt x="1254890" y="27432"/>
+                </a:cubicBezTo>
+                <a:cubicBezTo>
+                  <a:pt x="1102451" y="33104"/>
+                  <a:pt x="837950" y="40817"/>
+                  <a:pt x="563791" y="27432"/>
+                </a:cubicBezTo>
+                <a:cubicBezTo>
+                  <a:pt x="289632" y="14047"/>
+                  <a:pt x="132768" y="16249"/>
+                  <a:pt x="0" y="27432"/>
+                </a:cubicBezTo>
+                <a:cubicBezTo>
+                  <a:pt x="211" y="18145"/>
+                  <a:pt x="120" y="6480"/>
+                  <a:pt x="0" y="0"/>
+                </a:cubicBezTo>
+                <a:close/>
+              </a:path>
+            </a:pathLst>
+          </a:custGeom>
+          <a:solidFill>
+            <a:schemeClr val="tx1"/>
+          </a:solidFill>
+          <a:ln w="38100" cap="rnd">
+            <a:solidFill>
+              <a:schemeClr val="tx1"/>
+            </a:solidFill>
+            <a:round/>
+            <a:extLst>
+              <a:ext uri="{C807C97D-BFC1-408E-A445-0C87EB9F89A2}">
+                <ask:lineSketchStyleProps xmlns:ask="http://schemas.microsoft.com/office/drawing/2018/sketchyshapes" sd="1219033472">
+                  <a:prstGeom prst="rect">
+                    <a:avLst/>
+                  </a:prstGeom>
+                  <ask:type>
+                    <ask:lineSketchFreehand/>
+                  </ask:type>
+                </ask:lineSketchStyleProps>
+              </a:ext>
+            </a:extLst>
+          </a:ln>
+        </p:spPr>
+        <p:style>
+          <a:lnRef idx="2">
+            <a:schemeClr val="accent1">
+              <a:shade val="50000"/>
+            </a:schemeClr>
+          </a:lnRef>
+          <a:fillRef idx="1">
+            <a:schemeClr val="accent1"/>
+          </a:fillRef>
+          <a:effectRef idx="0">
+            <a:schemeClr val="accent1"/>
+          </a:effectRef>
+          <a:fontRef idx="minor">
+            <a:schemeClr val="lt1"/>
+          </a:fontRef>
+        </p:style>
+        <p:txBody>
+          <a:bodyPr rtlCol="0" anchor="ctr"/>
+          <a:lstStyle/>
+          <a:p>
+            <a:pPr algn="ctr"/>
+            <a:endParaRPr lang="en-US"/>
+          </a:p>
+        </p:txBody>
+      </p:sp>
+    </p:spTree>
+    <p:extLst>
+      <p:ext uri="{BB962C8B-B14F-4D97-AF65-F5344CB8AC3E}">
+        <p14:creationId xmlns:p14="http://schemas.microsoft.com/office/powerpoint/2010/main" val="508434839"/>
       </p:ext>
     </p:extLst>
   </p:cSld>
@@ -11419,18 +13460,18 @@
 </file>
 
 <file path=customXml/item2.xml><?xml version="1.0" encoding="utf-8"?>
+<p:properties xmlns:p="http://schemas.microsoft.com/office/2006/metadata/properties" xmlns:xsi="http://www.w3.org/2001/XMLSchema-instance" xmlns:pc="http://schemas.microsoft.com/office/infopath/2007/PartnerControls">
+  <documentManagement/>
+</p:properties>
+</file>
+
+<file path=customXml/item3.xml><?xml version="1.0" encoding="utf-8"?>
 <?mso-contentType ?>
 <FormTemplates xmlns="http://schemas.microsoft.com/sharepoint/v3/contenttype/forms">
   <Display>DocumentLibraryForm</Display>
   <Edit>DocumentLibraryForm</Edit>
   <New>DocumentLibraryForm</New>
 </FormTemplates>
-</file>
-
-<file path=customXml/item3.xml><?xml version="1.0" encoding="utf-8"?>
-<p:properties xmlns:p="http://schemas.microsoft.com/office/2006/metadata/properties" xmlns:xsi="http://www.w3.org/2001/XMLSchema-instance" xmlns:pc="http://schemas.microsoft.com/office/infopath/2007/PartnerControls">
-  <documentManagement/>
-</p:properties>
 </file>
 
 <file path=customXml/itemProps1.xml><?xml version="1.0" encoding="utf-8"?>
@@ -11453,14 +13494,6 @@
 </file>
 
 <file path=customXml/itemProps2.xml><?xml version="1.0" encoding="utf-8"?>
-<ds:datastoreItem xmlns:ds="http://schemas.openxmlformats.org/officeDocument/2006/customXml" ds:itemID="{A992CC68-8C78-4E90-937F-7E21BBD6E055}">
-  <ds:schemaRefs>
-    <ds:schemaRef ds:uri="http://schemas.microsoft.com/sharepoint/v3/contenttype/forms"/>
-  </ds:schemaRefs>
-</ds:datastoreItem>
-</file>
-
-<file path=customXml/itemProps3.xml><?xml version="1.0" encoding="utf-8"?>
 <ds:datastoreItem xmlns:ds="http://schemas.openxmlformats.org/officeDocument/2006/customXml" ds:itemID="{4116F1D9-22C8-4BAD-809C-F6DF816CEE3B}">
   <ds:schemaRefs>
     <ds:schemaRef ds:uri="http://schemas.microsoft.com/office/infopath/2007/PartnerControls"/>
@@ -11475,4 +13508,12 @@
     <ds:schemaRef ds:uri="http://purl.org/dc/dcmitype/"/>
   </ds:schemaRefs>
 </ds:datastoreItem>
+</file>
+
+<file path=customXml/itemProps3.xml><?xml version="1.0" encoding="utf-8"?>
+<ds:datastoreItem xmlns:ds="http://schemas.openxmlformats.org/officeDocument/2006/customXml" ds:itemID="{A992CC68-8C78-4E90-937F-7E21BBD6E055}">
+  <ds:schemaRefs>
+    <ds:schemaRef ds:uri="http://schemas.microsoft.com/sharepoint/v3/contenttype/forms"/>
+  </ds:schemaRefs>
+</ds:datastoreItem>
 </file>